--- a/Chris/Crime Rate per Capita Income.pptx
+++ b/Chris/Crime Rate per Capita Income.pptx
@@ -109,7 +109,56 @@
       </a:defRPr>
     </a:lvl9pPr>
   </p:defaultTextStyle>
+  <p:extLst>
+    <p:ext uri="{EFAFB233-063F-42B5-8137-9DF3F51BA10A}">
+      <p15:sldGuideLst xmlns:p15="http://schemas.microsoft.com/office/powerpoint/2012/main"/>
+    </p:ext>
+  </p:extLst>
 </p:presentation>
+</file>
+
+<file path=ppt/changesInfos/changesInfo1.xml><?xml version="1.0" encoding="utf-8"?>
+<pc:chgInfo xmlns:a="http://schemas.openxmlformats.org/drawingml/2006/main" xmlns:r="http://schemas.openxmlformats.org/officeDocument/2006/relationships" xmlns:ac="http://schemas.microsoft.com/office/drawing/2013/main/command" xmlns:pc="http://schemas.microsoft.com/office/powerpoint/2013/main/command">
+  <pc:docChgLst>
+    <pc:chgData name="chris schultz" userId="a041c111e9a7ac3a" providerId="LiveId" clId="{4C8C1B17-EAB4-4966-AD43-A94F0C8BBB35}"/>
+    <pc:docChg chg="custSel modSld">
+      <pc:chgData name="chris schultz" userId="a041c111e9a7ac3a" providerId="LiveId" clId="{4C8C1B17-EAB4-4966-AD43-A94F0C8BBB35}" dt="2023-01-22T21:44:34.175" v="57" actId="255"/>
+      <pc:docMkLst>
+        <pc:docMk/>
+      </pc:docMkLst>
+      <pc:sldChg chg="modSp mod">
+        <pc:chgData name="chris schultz" userId="a041c111e9a7ac3a" providerId="LiveId" clId="{4C8C1B17-EAB4-4966-AD43-A94F0C8BBB35}" dt="2023-01-22T21:44:09.142" v="31" actId="255"/>
+        <pc:sldMkLst>
+          <pc:docMk/>
+          <pc:sldMk cId="1868066195" sldId="261"/>
+        </pc:sldMkLst>
+        <pc:spChg chg="mod">
+          <ac:chgData name="chris schultz" userId="a041c111e9a7ac3a" providerId="LiveId" clId="{4C8C1B17-EAB4-4966-AD43-A94F0C8BBB35}" dt="2023-01-22T21:44:09.142" v="31" actId="255"/>
+          <ac:spMkLst>
+            <pc:docMk/>
+            <pc:sldMk cId="1868066195" sldId="261"/>
+            <ac:spMk id="5" creationId="{DA7D1D07-07C1-5671-1520-B75142FAD401}"/>
+          </ac:spMkLst>
+        </pc:spChg>
+      </pc:sldChg>
+      <pc:sldChg chg="modSp mod">
+        <pc:chgData name="chris schultz" userId="a041c111e9a7ac3a" providerId="LiveId" clId="{4C8C1B17-EAB4-4966-AD43-A94F0C8BBB35}" dt="2023-01-22T21:44:34.175" v="57" actId="255"/>
+        <pc:sldMkLst>
+          <pc:docMk/>
+          <pc:sldMk cId="4071104362" sldId="262"/>
+        </pc:sldMkLst>
+        <pc:spChg chg="mod">
+          <ac:chgData name="chris schultz" userId="a041c111e9a7ac3a" providerId="LiveId" clId="{4C8C1B17-EAB4-4966-AD43-A94F0C8BBB35}" dt="2023-01-22T21:44:34.175" v="57" actId="255"/>
+          <ac:spMkLst>
+            <pc:docMk/>
+            <pc:sldMk cId="4071104362" sldId="262"/>
+            <ac:spMk id="5" creationId="{DA7D1D07-07C1-5671-1520-B75142FAD401}"/>
+          </ac:spMkLst>
+        </pc:spChg>
+      </pc:sldChg>
+    </pc:docChg>
+  </pc:docChgLst>
+</pc:chgInfo>
 </file>
 
 <file path=ppt/slideLayouts/slideLayout1.xml><?xml version="1.0" encoding="utf-8"?>
@@ -259,7 +308,7 @@
           <a:p>
             <a:fld id="{059DCC64-776B-4810-BE0C-8D7C867DF9A4}" type="datetimeFigureOut">
               <a:rPr lang="en-US" smtClean="0"/>
-              <a:t>1/21/2023</a:t>
+              <a:t>1/22/2023</a:t>
             </a:fld>
             <a:endParaRPr lang="en-US"/>
           </a:p>
@@ -457,7 +506,7 @@
           <a:p>
             <a:fld id="{059DCC64-776B-4810-BE0C-8D7C867DF9A4}" type="datetimeFigureOut">
               <a:rPr lang="en-US" smtClean="0"/>
-              <a:t>1/21/2023</a:t>
+              <a:t>1/22/2023</a:t>
             </a:fld>
             <a:endParaRPr lang="en-US"/>
           </a:p>
@@ -665,7 +714,7 @@
           <a:p>
             <a:fld id="{059DCC64-776B-4810-BE0C-8D7C867DF9A4}" type="datetimeFigureOut">
               <a:rPr lang="en-US" smtClean="0"/>
-              <a:t>1/21/2023</a:t>
+              <a:t>1/22/2023</a:t>
             </a:fld>
             <a:endParaRPr lang="en-US"/>
           </a:p>
@@ -863,7 +912,7 @@
           <a:p>
             <a:fld id="{059DCC64-776B-4810-BE0C-8D7C867DF9A4}" type="datetimeFigureOut">
               <a:rPr lang="en-US" smtClean="0"/>
-              <a:t>1/21/2023</a:t>
+              <a:t>1/22/2023</a:t>
             </a:fld>
             <a:endParaRPr lang="en-US"/>
           </a:p>
@@ -1138,7 +1187,7 @@
           <a:p>
             <a:fld id="{059DCC64-776B-4810-BE0C-8D7C867DF9A4}" type="datetimeFigureOut">
               <a:rPr lang="en-US" smtClean="0"/>
-              <a:t>1/21/2023</a:t>
+              <a:t>1/22/2023</a:t>
             </a:fld>
             <a:endParaRPr lang="en-US"/>
           </a:p>
@@ -1403,7 +1452,7 @@
           <a:p>
             <a:fld id="{059DCC64-776B-4810-BE0C-8D7C867DF9A4}" type="datetimeFigureOut">
               <a:rPr lang="en-US" smtClean="0"/>
-              <a:t>1/21/2023</a:t>
+              <a:t>1/22/2023</a:t>
             </a:fld>
             <a:endParaRPr lang="en-US"/>
           </a:p>
@@ -1815,7 +1864,7 @@
           <a:p>
             <a:fld id="{059DCC64-776B-4810-BE0C-8D7C867DF9A4}" type="datetimeFigureOut">
               <a:rPr lang="en-US" smtClean="0"/>
-              <a:t>1/21/2023</a:t>
+              <a:t>1/22/2023</a:t>
             </a:fld>
             <a:endParaRPr lang="en-US"/>
           </a:p>
@@ -1956,7 +2005,7 @@
           <a:p>
             <a:fld id="{059DCC64-776B-4810-BE0C-8D7C867DF9A4}" type="datetimeFigureOut">
               <a:rPr lang="en-US" smtClean="0"/>
-              <a:t>1/21/2023</a:t>
+              <a:t>1/22/2023</a:t>
             </a:fld>
             <a:endParaRPr lang="en-US"/>
           </a:p>
@@ -2069,7 +2118,7 @@
           <a:p>
             <a:fld id="{059DCC64-776B-4810-BE0C-8D7C867DF9A4}" type="datetimeFigureOut">
               <a:rPr lang="en-US" smtClean="0"/>
-              <a:t>1/21/2023</a:t>
+              <a:t>1/22/2023</a:t>
             </a:fld>
             <a:endParaRPr lang="en-US"/>
           </a:p>
@@ -2380,7 +2429,7 @@
           <a:p>
             <a:fld id="{059DCC64-776B-4810-BE0C-8D7C867DF9A4}" type="datetimeFigureOut">
               <a:rPr lang="en-US" smtClean="0"/>
-              <a:t>1/21/2023</a:t>
+              <a:t>1/22/2023</a:t>
             </a:fld>
             <a:endParaRPr lang="en-US"/>
           </a:p>
@@ -2668,7 +2717,7 @@
           <a:p>
             <a:fld id="{059DCC64-776B-4810-BE0C-8D7C867DF9A4}" type="datetimeFigureOut">
               <a:rPr lang="en-US" smtClean="0"/>
-              <a:t>1/21/2023</a:t>
+              <a:t>1/22/2023</a:t>
             </a:fld>
             <a:endParaRPr lang="en-US"/>
           </a:p>
@@ -2909,7 +2958,7 @@
           <a:p>
             <a:fld id="{059DCC64-776B-4810-BE0C-8D7C867DF9A4}" type="datetimeFigureOut">
               <a:rPr lang="en-US" smtClean="0"/>
-              <a:t>1/21/2023</a:t>
+              <a:t>1/22/2023</a:t>
             </a:fld>
             <a:endParaRPr lang="en-US"/>
           </a:p>
@@ -4516,7 +4565,7 @@
         <p:spPr>
           <a:xfrm>
             <a:off x="1033753" y="96981"/>
-            <a:ext cx="9437614" cy="830997"/>
+            <a:ext cx="9437614" cy="646331"/>
           </a:xfrm>
           <a:prstGeom prst="rect">
             <a:avLst/>
@@ -4531,8 +4580,8 @@
           <a:p>
             <a:pPr algn="ctr"/>
             <a:r>
-              <a:rPr lang="en-US" sz="4800" dirty="0"/>
-              <a:t>Transform Data</a:t>
+              <a:rPr lang="en-US" sz="3600" dirty="0"/>
+              <a:t>Transform Data – Counties per Capita Income </a:t>
             </a:r>
           </a:p>
         </p:txBody>
@@ -4582,7 +4631,7 @@
         <p:spPr>
           <a:xfrm>
             <a:off x="1033753" y="96981"/>
-            <a:ext cx="9437614" cy="830997"/>
+            <a:ext cx="9437614" cy="646331"/>
           </a:xfrm>
           <a:prstGeom prst="rect">
             <a:avLst/>
@@ -4597,8 +4646,8 @@
           <a:p>
             <a:pPr algn="ctr"/>
             <a:r>
-              <a:rPr lang="en-US" sz="4800" dirty="0"/>
-              <a:t>Transform Data</a:t>
+              <a:rPr lang="en-US" sz="3600" dirty="0"/>
+              <a:t>Transform Data – Crime Rates by County</a:t>
             </a:r>
           </a:p>
         </p:txBody>

--- a/Chris/Crime Rate per Capita Income.pptx
+++ b/Chris/Crime Rate per Capita Income.pptx
@@ -8,9 +8,11 @@
     <p:sldId id="258" r:id="rId2"/>
     <p:sldId id="259" r:id="rId3"/>
     <p:sldId id="260" r:id="rId4"/>
-    <p:sldId id="261" r:id="rId5"/>
-    <p:sldId id="262" r:id="rId6"/>
-    <p:sldId id="264" r:id="rId7"/>
+    <p:sldId id="269" r:id="rId5"/>
+    <p:sldId id="271" r:id="rId6"/>
+    <p:sldId id="267" r:id="rId7"/>
+    <p:sldId id="264" r:id="rId8"/>
+    <p:sldId id="268" r:id="rId9"/>
   </p:sldIdLst>
   <p:sldSz cx="12192000" cy="6858000"/>
   <p:notesSz cx="6858000" cy="9144000"/>
@@ -117,8 +119,476 @@
 </p:presentation>
 </file>
 
+<file path=ppt/revisionInfo.xml><?xml version="1.0" encoding="utf-8"?>
+<p1510:revInfo xmlns:a="http://schemas.openxmlformats.org/drawingml/2006/main" xmlns:r="http://schemas.openxmlformats.org/officeDocument/2006/relationships" xmlns:p1510="http://schemas.microsoft.com/office/powerpoint/2015/10/main">
+  <p1510:revLst>
+    <p1510:client id="{64FDA340-0B10-482A-9019-AEB99F156A44}" v="28" dt="2023-01-31T03:10:36.988"/>
+  </p1510:revLst>
+</p1510:revInfo>
+</file>
+
 <file path=ppt/changesInfos/changesInfo1.xml><?xml version="1.0" encoding="utf-8"?>
 <pc:chgInfo xmlns:a="http://schemas.openxmlformats.org/drawingml/2006/main" xmlns:r="http://schemas.openxmlformats.org/officeDocument/2006/relationships" xmlns:ac="http://schemas.microsoft.com/office/drawing/2013/main/command" xmlns:pc="http://schemas.microsoft.com/office/powerpoint/2013/main/command">
+  <pc:docChgLst>
+    <pc:chgData name="chris schultz" userId="a041c111e9a7ac3a" providerId="LiveId" clId="{64FDA340-0B10-482A-9019-AEB99F156A44}"/>
+    <pc:docChg chg="undo redo custSel addSld delSld modSld sldOrd">
+      <pc:chgData name="chris schultz" userId="a041c111e9a7ac3a" providerId="LiveId" clId="{64FDA340-0B10-482A-9019-AEB99F156A44}" dt="2023-01-31T03:10:36.981" v="2423" actId="1076"/>
+      <pc:docMkLst>
+        <pc:docMk/>
+      </pc:docMkLst>
+      <pc:sldChg chg="addSp delSp modSp mod">
+        <pc:chgData name="chris schultz" userId="a041c111e9a7ac3a" providerId="LiveId" clId="{64FDA340-0B10-482A-9019-AEB99F156A44}" dt="2023-01-31T03:10:36.981" v="2423" actId="1076"/>
+        <pc:sldMkLst>
+          <pc:docMk/>
+          <pc:sldMk cId="3223278526" sldId="258"/>
+        </pc:sldMkLst>
+        <pc:spChg chg="mod">
+          <ac:chgData name="chris schultz" userId="a041c111e9a7ac3a" providerId="LiveId" clId="{64FDA340-0B10-482A-9019-AEB99F156A44}" dt="2023-01-31T01:12:17.989" v="2288" actId="1076"/>
+          <ac:spMkLst>
+            <pc:docMk/>
+            <pc:sldMk cId="3223278526" sldId="258"/>
+            <ac:spMk id="2" creationId="{2BB423F5-104D-EC8C-5852-A84CC80F5C5A}"/>
+          </ac:spMkLst>
+        </pc:spChg>
+        <pc:spChg chg="mod">
+          <ac:chgData name="chris schultz" userId="a041c111e9a7ac3a" providerId="LiveId" clId="{64FDA340-0B10-482A-9019-AEB99F156A44}" dt="2023-01-31T00:59:59.195" v="2286" actId="1076"/>
+          <ac:spMkLst>
+            <pc:docMk/>
+            <pc:sldMk cId="3223278526" sldId="258"/>
+            <ac:spMk id="3" creationId="{A41F43CA-287D-D7F0-E8DE-03507AF06C63}"/>
+          </ac:spMkLst>
+        </pc:spChg>
+        <pc:spChg chg="add del mod">
+          <ac:chgData name="chris schultz" userId="a041c111e9a7ac3a" providerId="LiveId" clId="{64FDA340-0B10-482A-9019-AEB99F156A44}" dt="2023-01-31T00:59:19.266" v="2266"/>
+          <ac:spMkLst>
+            <pc:docMk/>
+            <pc:sldMk cId="3223278526" sldId="258"/>
+            <ac:spMk id="4" creationId="{0E5ABE34-5B9A-6A65-67CA-ACCE9655D843}"/>
+          </ac:spMkLst>
+        </pc:spChg>
+        <pc:spChg chg="add mod">
+          <ac:chgData name="chris schultz" userId="a041c111e9a7ac3a" providerId="LiveId" clId="{64FDA340-0B10-482A-9019-AEB99F156A44}" dt="2023-01-31T01:00:02.864" v="2287" actId="1076"/>
+          <ac:spMkLst>
+            <pc:docMk/>
+            <pc:sldMk cId="3223278526" sldId="258"/>
+            <ac:spMk id="5" creationId="{426EE277-D895-7651-FC69-3F6454B0BE60}"/>
+          </ac:spMkLst>
+        </pc:spChg>
+        <pc:picChg chg="mod">
+          <ac:chgData name="chris schultz" userId="a041c111e9a7ac3a" providerId="LiveId" clId="{64FDA340-0B10-482A-9019-AEB99F156A44}" dt="2023-01-31T03:10:36.981" v="2423" actId="1076"/>
+          <ac:picMkLst>
+            <pc:docMk/>
+            <pc:sldMk cId="3223278526" sldId="258"/>
+            <ac:picMk id="1026" creationId="{0243D67A-2D4C-F293-960B-5A8BEF69F7F5}"/>
+          </ac:picMkLst>
+        </pc:picChg>
+      </pc:sldChg>
+      <pc:sldChg chg="modSp mod">
+        <pc:chgData name="chris schultz" userId="a041c111e9a7ac3a" providerId="LiveId" clId="{64FDA340-0B10-482A-9019-AEB99F156A44}" dt="2023-01-31T02:09:45.190" v="2400" actId="20577"/>
+        <pc:sldMkLst>
+          <pc:docMk/>
+          <pc:sldMk cId="529564541" sldId="259"/>
+        </pc:sldMkLst>
+        <pc:spChg chg="mod">
+          <ac:chgData name="chris schultz" userId="a041c111e9a7ac3a" providerId="LiveId" clId="{64FDA340-0B10-482A-9019-AEB99F156A44}" dt="2023-01-31T02:09:45.190" v="2400" actId="20577"/>
+          <ac:spMkLst>
+            <pc:docMk/>
+            <pc:sldMk cId="529564541" sldId="259"/>
+            <ac:spMk id="5" creationId="{9F20BD09-0813-F1A9-1A1E-F83CC02D3BFD}"/>
+          </ac:spMkLst>
+        </pc:spChg>
+      </pc:sldChg>
+      <pc:sldChg chg="addSp delSp modSp del mod">
+        <pc:chgData name="chris schultz" userId="a041c111e9a7ac3a" providerId="LiveId" clId="{64FDA340-0B10-482A-9019-AEB99F156A44}" dt="2023-01-30T23:08:53.419" v="2127" actId="47"/>
+        <pc:sldMkLst>
+          <pc:docMk/>
+          <pc:sldMk cId="1868066195" sldId="261"/>
+        </pc:sldMkLst>
+        <pc:spChg chg="add del mod">
+          <ac:chgData name="chris schultz" userId="a041c111e9a7ac3a" providerId="LiveId" clId="{64FDA340-0B10-482A-9019-AEB99F156A44}" dt="2023-01-30T22:36:22.430" v="1013" actId="113"/>
+          <ac:spMkLst>
+            <pc:docMk/>
+            <pc:sldMk cId="1868066195" sldId="261"/>
+            <ac:spMk id="2" creationId="{BDF94CE2-F6B1-271F-7DE6-3B4CF987BA43}"/>
+          </ac:spMkLst>
+        </pc:spChg>
+        <pc:spChg chg="add mod">
+          <ac:chgData name="chris schultz" userId="a041c111e9a7ac3a" providerId="LiveId" clId="{64FDA340-0B10-482A-9019-AEB99F156A44}" dt="2023-01-30T23:06:42.942" v="2077" actId="20577"/>
+          <ac:spMkLst>
+            <pc:docMk/>
+            <pc:sldMk cId="1868066195" sldId="261"/>
+            <ac:spMk id="3" creationId="{72C1F5AE-6436-DC3E-9718-DF236F1CB528}"/>
+          </ac:spMkLst>
+        </pc:spChg>
+        <pc:spChg chg="mod">
+          <ac:chgData name="chris schultz" userId="a041c111e9a7ac3a" providerId="LiveId" clId="{64FDA340-0B10-482A-9019-AEB99F156A44}" dt="2023-01-30T22:25:27.028" v="102" actId="20577"/>
+          <ac:spMkLst>
+            <pc:docMk/>
+            <pc:sldMk cId="1868066195" sldId="261"/>
+            <ac:spMk id="5" creationId="{DA7D1D07-07C1-5671-1520-B75142FAD401}"/>
+          </ac:spMkLst>
+        </pc:spChg>
+        <pc:spChg chg="add mod">
+          <ac:chgData name="chris schultz" userId="a041c111e9a7ac3a" providerId="LiveId" clId="{64FDA340-0B10-482A-9019-AEB99F156A44}" dt="2023-01-30T23:08:36.517" v="2124" actId="20577"/>
+          <ac:spMkLst>
+            <pc:docMk/>
+            <pc:sldMk cId="1868066195" sldId="261"/>
+            <ac:spMk id="6" creationId="{7E2499AA-AAA1-463E-BB6F-EB821276D143}"/>
+          </ac:spMkLst>
+        </pc:spChg>
+        <pc:picChg chg="del mod">
+          <ac:chgData name="chris schultz" userId="a041c111e9a7ac3a" providerId="LiveId" clId="{64FDA340-0B10-482A-9019-AEB99F156A44}" dt="2023-01-30T22:24:53.708" v="91" actId="478"/>
+          <ac:picMkLst>
+            <pc:docMk/>
+            <pc:sldMk cId="1868066195" sldId="261"/>
+            <ac:picMk id="4" creationId="{25823335-1835-645D-90BD-60EEF3FB8D14}"/>
+          </ac:picMkLst>
+        </pc:picChg>
+      </pc:sldChg>
+      <pc:sldChg chg="add del">
+        <pc:chgData name="chris schultz" userId="a041c111e9a7ac3a" providerId="LiveId" clId="{64FDA340-0B10-482A-9019-AEB99F156A44}" dt="2023-01-30T22:35:33.044" v="1006" actId="47"/>
+        <pc:sldMkLst>
+          <pc:docMk/>
+          <pc:sldMk cId="4071104362" sldId="262"/>
+        </pc:sldMkLst>
+      </pc:sldChg>
+      <pc:sldChg chg="addSp delSp modSp mod delAnim">
+        <pc:chgData name="chris schultz" userId="a041c111e9a7ac3a" providerId="LiveId" clId="{64FDA340-0B10-482A-9019-AEB99F156A44}" dt="2023-01-30T22:59:17.154" v="2063" actId="1076"/>
+        <pc:sldMkLst>
+          <pc:docMk/>
+          <pc:sldMk cId="171697375" sldId="264"/>
+        </pc:sldMkLst>
+        <pc:spChg chg="del">
+          <ac:chgData name="chris schultz" userId="a041c111e9a7ac3a" providerId="LiveId" clId="{64FDA340-0B10-482A-9019-AEB99F156A44}" dt="2023-01-30T22:57:42.339" v="2058" actId="478"/>
+          <ac:spMkLst>
+            <pc:docMk/>
+            <pc:sldMk cId="171697375" sldId="264"/>
+            <ac:spMk id="4" creationId="{D3A6A813-46C6-A4D0-F0C0-E667F5EFB3C0}"/>
+          </ac:spMkLst>
+        </pc:spChg>
+        <pc:spChg chg="add mod">
+          <ac:chgData name="chris schultz" userId="a041c111e9a7ac3a" providerId="LiveId" clId="{64FDA340-0B10-482A-9019-AEB99F156A44}" dt="2023-01-30T22:59:17.154" v="2063" actId="1076"/>
+          <ac:spMkLst>
+            <pc:docMk/>
+            <pc:sldMk cId="171697375" sldId="264"/>
+            <ac:spMk id="5" creationId="{E5E39143-8F95-CFAD-7520-E4BB7496B053}"/>
+          </ac:spMkLst>
+        </pc:spChg>
+      </pc:sldChg>
+      <pc:sldChg chg="addSp delSp modSp add del mod">
+        <pc:chgData name="chris schultz" userId="a041c111e9a7ac3a" providerId="LiveId" clId="{64FDA340-0B10-482A-9019-AEB99F156A44}" dt="2023-01-30T22:35:36.195" v="1007" actId="47"/>
+        <pc:sldMkLst>
+          <pc:docMk/>
+          <pc:sldMk cId="3929824929" sldId="265"/>
+        </pc:sldMkLst>
+        <pc:spChg chg="mod">
+          <ac:chgData name="chris schultz" userId="a041c111e9a7ac3a" providerId="LiveId" clId="{64FDA340-0B10-482A-9019-AEB99F156A44}" dt="2023-01-30T00:56:07.338" v="36" actId="20577"/>
+          <ac:spMkLst>
+            <pc:docMk/>
+            <pc:sldMk cId="3929824929" sldId="265"/>
+            <ac:spMk id="5" creationId="{DA7D1D07-07C1-5671-1520-B75142FAD401}"/>
+          </ac:spMkLst>
+        </pc:spChg>
+        <pc:picChg chg="add del">
+          <ac:chgData name="chris schultz" userId="a041c111e9a7ac3a" providerId="LiveId" clId="{64FDA340-0B10-482A-9019-AEB99F156A44}" dt="2023-01-30T00:55:57.225" v="5" actId="478"/>
+          <ac:picMkLst>
+            <pc:docMk/>
+            <pc:sldMk cId="3929824929" sldId="265"/>
+            <ac:picMk id="3" creationId="{F496D75C-6102-47E3-BF2C-6986A804979C}"/>
+          </ac:picMkLst>
+        </pc:picChg>
+      </pc:sldChg>
+      <pc:sldChg chg="addSp modSp add del mod">
+        <pc:chgData name="chris schultz" userId="a041c111e9a7ac3a" providerId="LiveId" clId="{64FDA340-0B10-482A-9019-AEB99F156A44}" dt="2023-01-30T23:11:08.325" v="2228" actId="47"/>
+        <pc:sldMkLst>
+          <pc:docMk/>
+          <pc:sldMk cId="1645647375" sldId="266"/>
+        </pc:sldMkLst>
+        <pc:spChg chg="add mod">
+          <ac:chgData name="chris schultz" userId="a041c111e9a7ac3a" providerId="LiveId" clId="{64FDA340-0B10-482A-9019-AEB99F156A44}" dt="2023-01-30T22:43:59.563" v="1591" actId="255"/>
+          <ac:spMkLst>
+            <pc:docMk/>
+            <pc:sldMk cId="1645647375" sldId="266"/>
+            <ac:spMk id="2" creationId="{0FD0C533-4D5F-0BEA-A0B0-208553BDFE50}"/>
+          </ac:spMkLst>
+        </pc:spChg>
+        <pc:spChg chg="mod">
+          <ac:chgData name="chris schultz" userId="a041c111e9a7ac3a" providerId="LiveId" clId="{64FDA340-0B10-482A-9019-AEB99F156A44}" dt="2023-01-30T22:40:04.369" v="1343" actId="20577"/>
+          <ac:spMkLst>
+            <pc:docMk/>
+            <pc:sldMk cId="1645647375" sldId="266"/>
+            <ac:spMk id="5" creationId="{DA7D1D07-07C1-5671-1520-B75142FAD401}"/>
+          </ac:spMkLst>
+        </pc:spChg>
+      </pc:sldChg>
+      <pc:sldChg chg="addSp delSp modSp add mod">
+        <pc:chgData name="chris schultz" userId="a041c111e9a7ac3a" providerId="LiveId" clId="{64FDA340-0B10-482A-9019-AEB99F156A44}" dt="2023-01-31T02:12:45.558" v="2422" actId="207"/>
+        <pc:sldMkLst>
+          <pc:docMk/>
+          <pc:sldMk cId="719907485" sldId="267"/>
+        </pc:sldMkLst>
+        <pc:spChg chg="add mod">
+          <ac:chgData name="chris schultz" userId="a041c111e9a7ac3a" providerId="LiveId" clId="{64FDA340-0B10-482A-9019-AEB99F156A44}" dt="2023-01-31T02:12:45.558" v="2422" actId="207"/>
+          <ac:spMkLst>
+            <pc:docMk/>
+            <pc:sldMk cId="719907485" sldId="267"/>
+            <ac:spMk id="2" creationId="{7F86A27B-ADA7-EDF4-A2A8-11FEF94BEE4B}"/>
+          </ac:spMkLst>
+        </pc:spChg>
+        <pc:spChg chg="add mod">
+          <ac:chgData name="chris schultz" userId="a041c111e9a7ac3a" providerId="LiveId" clId="{64FDA340-0B10-482A-9019-AEB99F156A44}" dt="2023-01-30T22:48:01.761" v="1691" actId="113"/>
+          <ac:spMkLst>
+            <pc:docMk/>
+            <pc:sldMk cId="719907485" sldId="267"/>
+            <ac:spMk id="4" creationId="{E6C6918C-B9C1-AE24-6D93-1FD04A908E0C}"/>
+          </ac:spMkLst>
+        </pc:spChg>
+        <pc:spChg chg="add del mod">
+          <ac:chgData name="chris schultz" userId="a041c111e9a7ac3a" providerId="LiveId" clId="{64FDA340-0B10-482A-9019-AEB99F156A44}" dt="2023-01-30T22:47:48.750" v="1688"/>
+          <ac:spMkLst>
+            <pc:docMk/>
+            <pc:sldMk cId="719907485" sldId="267"/>
+            <ac:spMk id="6" creationId="{281911CF-4950-10A3-06C4-BEB359BF3E81}"/>
+          </ac:spMkLst>
+        </pc:spChg>
+        <pc:spChg chg="add mod">
+          <ac:chgData name="chris schultz" userId="a041c111e9a7ac3a" providerId="LiveId" clId="{64FDA340-0B10-482A-9019-AEB99F156A44}" dt="2023-01-31T00:45:56.354" v="2256" actId="1076"/>
+          <ac:spMkLst>
+            <pc:docMk/>
+            <pc:sldMk cId="719907485" sldId="267"/>
+            <ac:spMk id="7" creationId="{4DF1CA69-DB2C-88D0-D31D-1B7AB283D09B}"/>
+          </ac:spMkLst>
+        </pc:spChg>
+        <pc:spChg chg="add mod">
+          <ac:chgData name="chris schultz" userId="a041c111e9a7ac3a" providerId="LiveId" clId="{64FDA340-0B10-482A-9019-AEB99F156A44}" dt="2023-01-31T00:46:18.941" v="2259" actId="1076"/>
+          <ac:spMkLst>
+            <pc:docMk/>
+            <pc:sldMk cId="719907485" sldId="267"/>
+            <ac:spMk id="9" creationId="{8738F710-52C6-37D2-539A-2D5A0DBFF9C7}"/>
+          </ac:spMkLst>
+        </pc:spChg>
+        <pc:picChg chg="add mod">
+          <ac:chgData name="chris schultz" userId="a041c111e9a7ac3a" providerId="LiveId" clId="{64FDA340-0B10-482A-9019-AEB99F156A44}" dt="2023-01-31T00:45:28.553" v="2249" actId="14100"/>
+          <ac:picMkLst>
+            <pc:docMk/>
+            <pc:sldMk cId="719907485" sldId="267"/>
+            <ac:picMk id="3" creationId="{06352631-71DB-6B79-82E3-4A703E81D83F}"/>
+          </ac:picMkLst>
+        </pc:picChg>
+        <pc:picChg chg="add mod">
+          <ac:chgData name="chris schultz" userId="a041c111e9a7ac3a" providerId="LiveId" clId="{64FDA340-0B10-482A-9019-AEB99F156A44}" dt="2023-01-31T00:45:41.284" v="2254" actId="14100"/>
+          <ac:picMkLst>
+            <pc:docMk/>
+            <pc:sldMk cId="719907485" sldId="267"/>
+            <ac:picMk id="6" creationId="{E3C25057-BFC3-B241-2BCE-29D2D297B3AF}"/>
+          </ac:picMkLst>
+        </pc:picChg>
+        <pc:picChg chg="add mod">
+          <ac:chgData name="chris schultz" userId="a041c111e9a7ac3a" providerId="LiveId" clId="{64FDA340-0B10-482A-9019-AEB99F156A44}" dt="2023-01-31T00:46:13.066" v="2258" actId="1076"/>
+          <ac:picMkLst>
+            <pc:docMk/>
+            <pc:sldMk cId="719907485" sldId="267"/>
+            <ac:picMk id="8" creationId="{50EB9C57-75D9-FD82-AD14-19E212F4528E}"/>
+          </ac:picMkLst>
+        </pc:picChg>
+      </pc:sldChg>
+      <pc:sldChg chg="addSp delSp modSp add mod ord">
+        <pc:chgData name="chris schultz" userId="a041c111e9a7ac3a" providerId="LiveId" clId="{64FDA340-0B10-482A-9019-AEB99F156A44}" dt="2023-01-31T01:50:42.024" v="2343" actId="14100"/>
+        <pc:sldMkLst>
+          <pc:docMk/>
+          <pc:sldMk cId="2049648078" sldId="268"/>
+        </pc:sldMkLst>
+        <pc:spChg chg="add mod">
+          <ac:chgData name="chris schultz" userId="a041c111e9a7ac3a" providerId="LiveId" clId="{64FDA340-0B10-482A-9019-AEB99F156A44}" dt="2023-01-31T01:50:42.024" v="2343" actId="14100"/>
+          <ac:spMkLst>
+            <pc:docMk/>
+            <pc:sldMk cId="2049648078" sldId="268"/>
+            <ac:spMk id="2" creationId="{6730AE72-6986-E43B-620B-84D75580A121}"/>
+          </ac:spMkLst>
+        </pc:spChg>
+        <pc:picChg chg="add del mod">
+          <ac:chgData name="chris schultz" userId="a041c111e9a7ac3a" providerId="LiveId" clId="{64FDA340-0B10-482A-9019-AEB99F156A44}" dt="2023-01-31T01:50:08.732" v="2309" actId="478"/>
+          <ac:picMkLst>
+            <pc:docMk/>
+            <pc:sldMk cId="2049648078" sldId="268"/>
+            <ac:picMk id="4" creationId="{6A84345C-9B59-6E14-9A9D-55DBFE6BCD79}"/>
+          </ac:picMkLst>
+        </pc:picChg>
+        <pc:picChg chg="add del mod">
+          <ac:chgData name="chris schultz" userId="a041c111e9a7ac3a" providerId="LiveId" clId="{64FDA340-0B10-482A-9019-AEB99F156A44}" dt="2023-01-31T01:50:08.035" v="2308" actId="478"/>
+          <ac:picMkLst>
+            <pc:docMk/>
+            <pc:sldMk cId="2049648078" sldId="268"/>
+            <ac:picMk id="7" creationId="{2D63F102-93EF-1E02-18B1-85AC9B146FC3}"/>
+          </ac:picMkLst>
+        </pc:picChg>
+      </pc:sldChg>
+      <pc:sldChg chg="addSp delSp modSp add mod">
+        <pc:chgData name="chris schultz" userId="a041c111e9a7ac3a" providerId="LiveId" clId="{64FDA340-0B10-482A-9019-AEB99F156A44}" dt="2023-01-30T23:08:47.344" v="2126" actId="1076"/>
+        <pc:sldMkLst>
+          <pc:docMk/>
+          <pc:sldMk cId="1402750702" sldId="269"/>
+        </pc:sldMkLst>
+        <pc:spChg chg="add del mod">
+          <ac:chgData name="chris schultz" userId="a041c111e9a7ac3a" providerId="LiveId" clId="{64FDA340-0B10-482A-9019-AEB99F156A44}" dt="2023-01-30T23:05:54.631" v="2071" actId="478"/>
+          <ac:spMkLst>
+            <pc:docMk/>
+            <pc:sldMk cId="1402750702" sldId="269"/>
+            <ac:spMk id="3" creationId="{EB12C561-2949-657E-D9A7-CB610DF88526}"/>
+          </ac:spMkLst>
+        </pc:spChg>
+        <pc:spChg chg="add mod">
+          <ac:chgData name="chris schultz" userId="a041c111e9a7ac3a" providerId="LiveId" clId="{64FDA340-0B10-482A-9019-AEB99F156A44}" dt="2023-01-30T23:08:10.476" v="2092" actId="20577"/>
+          <ac:spMkLst>
+            <pc:docMk/>
+            <pc:sldMk cId="1402750702" sldId="269"/>
+            <ac:spMk id="4" creationId="{699C33D0-BDF1-99E2-754B-50DB4DD384CD}"/>
+          </ac:spMkLst>
+        </pc:spChg>
+        <pc:spChg chg="del">
+          <ac:chgData name="chris schultz" userId="a041c111e9a7ac3a" providerId="LiveId" clId="{64FDA340-0B10-482A-9019-AEB99F156A44}" dt="2023-01-30T23:05:51.595" v="2070" actId="478"/>
+          <ac:spMkLst>
+            <pc:docMk/>
+            <pc:sldMk cId="1402750702" sldId="269"/>
+            <ac:spMk id="5" creationId="{9F20BD09-0813-F1A9-1A1E-F83CC02D3BFD}"/>
+          </ac:spMkLst>
+        </pc:spChg>
+        <pc:spChg chg="add mod">
+          <ac:chgData name="chris schultz" userId="a041c111e9a7ac3a" providerId="LiveId" clId="{64FDA340-0B10-482A-9019-AEB99F156A44}" dt="2023-01-30T23:08:30.503" v="2122" actId="20577"/>
+          <ac:spMkLst>
+            <pc:docMk/>
+            <pc:sldMk cId="1402750702" sldId="269"/>
+            <ac:spMk id="6" creationId="{7876C0D9-F122-97D6-8293-C943E039F39A}"/>
+          </ac:spMkLst>
+        </pc:spChg>
+        <pc:spChg chg="mod">
+          <ac:chgData name="chris schultz" userId="a041c111e9a7ac3a" providerId="LiveId" clId="{64FDA340-0B10-482A-9019-AEB99F156A44}" dt="2023-01-30T23:07:49.789" v="2083" actId="1076"/>
+          <ac:spMkLst>
+            <pc:docMk/>
+            <pc:sldMk cId="1402750702" sldId="269"/>
+            <ac:spMk id="7" creationId="{6A8F7CE2-ADF7-2752-1B7E-FB6597F820AD}"/>
+          </ac:spMkLst>
+        </pc:spChg>
+        <pc:spChg chg="add mod">
+          <ac:chgData name="chris schultz" userId="a041c111e9a7ac3a" providerId="LiveId" clId="{64FDA340-0B10-482A-9019-AEB99F156A44}" dt="2023-01-30T23:08:47.344" v="2126" actId="1076"/>
+          <ac:spMkLst>
+            <pc:docMk/>
+            <pc:sldMk cId="1402750702" sldId="269"/>
+            <ac:spMk id="8" creationId="{2FE1628D-1691-A9B5-770D-0CE4BB4E2BB8}"/>
+          </ac:spMkLst>
+        </pc:spChg>
+        <pc:picChg chg="mod">
+          <ac:chgData name="chris schultz" userId="a041c111e9a7ac3a" providerId="LiveId" clId="{64FDA340-0B10-482A-9019-AEB99F156A44}" dt="2023-01-30T23:07:23.099" v="2080" actId="14100"/>
+          <ac:picMkLst>
+            <pc:docMk/>
+            <pc:sldMk cId="1402750702" sldId="269"/>
+            <ac:picMk id="1026" creationId="{0243D67A-2D4C-F293-960B-5A8BEF69F7F5}"/>
+          </ac:picMkLst>
+        </pc:picChg>
+      </pc:sldChg>
+      <pc:sldChg chg="add del">
+        <pc:chgData name="chris schultz" userId="a041c111e9a7ac3a" providerId="LiveId" clId="{64FDA340-0B10-482A-9019-AEB99F156A44}" dt="2023-01-30T00:57:21.223" v="89" actId="47"/>
+        <pc:sldMkLst>
+          <pc:docMk/>
+          <pc:sldMk cId="4066192978" sldId="269"/>
+        </pc:sldMkLst>
+      </pc:sldChg>
+      <pc:sldChg chg="delSp modSp add del mod">
+        <pc:chgData name="chris schultz" userId="a041c111e9a7ac3a" providerId="LiveId" clId="{64FDA340-0B10-482A-9019-AEB99F156A44}" dt="2023-01-30T23:09:24.323" v="2137" actId="47"/>
+        <pc:sldMkLst>
+          <pc:docMk/>
+          <pc:sldMk cId="643842775" sldId="270"/>
+        </pc:sldMkLst>
+        <pc:spChg chg="del">
+          <ac:chgData name="chris schultz" userId="a041c111e9a7ac3a" providerId="LiveId" clId="{64FDA340-0B10-482A-9019-AEB99F156A44}" dt="2023-01-30T23:09:07.912" v="2132" actId="478"/>
+          <ac:spMkLst>
+            <pc:docMk/>
+            <pc:sldMk cId="643842775" sldId="270"/>
+            <ac:spMk id="4" creationId="{699C33D0-BDF1-99E2-754B-50DB4DD384CD}"/>
+          </ac:spMkLst>
+        </pc:spChg>
+        <pc:spChg chg="del mod">
+          <ac:chgData name="chris schultz" userId="a041c111e9a7ac3a" providerId="LiveId" clId="{64FDA340-0B10-482A-9019-AEB99F156A44}" dt="2023-01-30T23:09:04.928" v="2131" actId="478"/>
+          <ac:spMkLst>
+            <pc:docMk/>
+            <pc:sldMk cId="643842775" sldId="270"/>
+            <ac:spMk id="6" creationId="{7876C0D9-F122-97D6-8293-C943E039F39A}"/>
+          </ac:spMkLst>
+        </pc:spChg>
+        <pc:spChg chg="del">
+          <ac:chgData name="chris schultz" userId="a041c111e9a7ac3a" providerId="LiveId" clId="{64FDA340-0B10-482A-9019-AEB99F156A44}" dt="2023-01-30T23:09:03.079" v="2129" actId="478"/>
+          <ac:spMkLst>
+            <pc:docMk/>
+            <pc:sldMk cId="643842775" sldId="270"/>
+            <ac:spMk id="8" creationId="{2FE1628D-1691-A9B5-770D-0CE4BB4E2BB8}"/>
+          </ac:spMkLst>
+        </pc:spChg>
+        <pc:picChg chg="mod">
+          <ac:chgData name="chris schultz" userId="a041c111e9a7ac3a" providerId="LiveId" clId="{64FDA340-0B10-482A-9019-AEB99F156A44}" dt="2023-01-30T23:09:12.527" v="2133" actId="14100"/>
+          <ac:picMkLst>
+            <pc:docMk/>
+            <pc:sldMk cId="643842775" sldId="270"/>
+            <ac:picMk id="1026" creationId="{0243D67A-2D4C-F293-960B-5A8BEF69F7F5}"/>
+          </ac:picMkLst>
+        </pc:picChg>
+      </pc:sldChg>
+      <pc:sldChg chg="addSp delSp modSp add mod ord">
+        <pc:chgData name="chris schultz" userId="a041c111e9a7ac3a" providerId="LiveId" clId="{64FDA340-0B10-482A-9019-AEB99F156A44}" dt="2023-01-31T01:49:02.262" v="2307" actId="20577"/>
+        <pc:sldMkLst>
+          <pc:docMk/>
+          <pc:sldMk cId="3145214593" sldId="271"/>
+        </pc:sldMkLst>
+        <pc:spChg chg="add mod">
+          <ac:chgData name="chris schultz" userId="a041c111e9a7ac3a" providerId="LiveId" clId="{64FDA340-0B10-482A-9019-AEB99F156A44}" dt="2023-01-31T01:49:02.262" v="2307" actId="20577"/>
+          <ac:spMkLst>
+            <pc:docMk/>
+            <pc:sldMk cId="3145214593" sldId="271"/>
+            <ac:spMk id="3" creationId="{69ECFD8C-E756-DB8B-D2F7-9D055C345828}"/>
+          </ac:spMkLst>
+        </pc:spChg>
+        <pc:spChg chg="del">
+          <ac:chgData name="chris schultz" userId="a041c111e9a7ac3a" providerId="LiveId" clId="{64FDA340-0B10-482A-9019-AEB99F156A44}" dt="2023-01-30T23:09:39.824" v="2148" actId="478"/>
+          <ac:spMkLst>
+            <pc:docMk/>
+            <pc:sldMk cId="3145214593" sldId="271"/>
+            <ac:spMk id="5" creationId="{9F20BD09-0813-F1A9-1A1E-F83CC02D3BFD}"/>
+          </ac:spMkLst>
+        </pc:spChg>
+        <pc:spChg chg="mod">
+          <ac:chgData name="chris schultz" userId="a041c111e9a7ac3a" providerId="LiveId" clId="{64FDA340-0B10-482A-9019-AEB99F156A44}" dt="2023-01-31T01:45:21.692" v="2293" actId="1076"/>
+          <ac:spMkLst>
+            <pc:docMk/>
+            <pc:sldMk cId="3145214593" sldId="271"/>
+            <ac:spMk id="7" creationId="{6A8F7CE2-ADF7-2752-1B7E-FB6597F820AD}"/>
+          </ac:spMkLst>
+        </pc:spChg>
+        <pc:picChg chg="add mod">
+          <ac:chgData name="chris schultz" userId="a041c111e9a7ac3a" providerId="LiveId" clId="{64FDA340-0B10-482A-9019-AEB99F156A44}" dt="2023-01-31T01:47:38.881" v="2303" actId="1076"/>
+          <ac:picMkLst>
+            <pc:docMk/>
+            <pc:sldMk cId="3145214593" sldId="271"/>
+            <ac:picMk id="4" creationId="{76D0BF78-5B80-EDA6-AE03-70709EF42A5B}"/>
+          </ac:picMkLst>
+        </pc:picChg>
+        <pc:picChg chg="add mod">
+          <ac:chgData name="chris schultz" userId="a041c111e9a7ac3a" providerId="LiveId" clId="{64FDA340-0B10-482A-9019-AEB99F156A44}" dt="2023-01-31T01:48:22.199" v="2306" actId="1076"/>
+          <ac:picMkLst>
+            <pc:docMk/>
+            <pc:sldMk cId="3145214593" sldId="271"/>
+            <ac:picMk id="6" creationId="{1FC6DC22-53E6-4505-B0EE-8F271CC3C847}"/>
+          </ac:picMkLst>
+        </pc:picChg>
+        <pc:picChg chg="mod">
+          <ac:chgData name="chris schultz" userId="a041c111e9a7ac3a" providerId="LiveId" clId="{64FDA340-0B10-482A-9019-AEB99F156A44}" dt="2023-01-30T23:10:33.275" v="2199" actId="14100"/>
+          <ac:picMkLst>
+            <pc:docMk/>
+            <pc:sldMk cId="3145214593" sldId="271"/>
+            <ac:picMk id="1026" creationId="{0243D67A-2D4C-F293-960B-5A8BEF69F7F5}"/>
+          </ac:picMkLst>
+        </pc:picChg>
+      </pc:sldChg>
+    </pc:docChg>
+  </pc:docChgLst>
   <pc:docChgLst>
     <pc:chgData name="chris schultz" userId="a041c111e9a7ac3a" providerId="LiveId" clId="{4C8C1B17-EAB4-4966-AD43-A94F0C8BBB35}"/>
     <pc:docChg chg="custSel modSld">
@@ -308,7 +778,7 @@
           <a:p>
             <a:fld id="{059DCC64-776B-4810-BE0C-8D7C867DF9A4}" type="datetimeFigureOut">
               <a:rPr lang="en-US" smtClean="0"/>
-              <a:t>1/22/2023</a:t>
+              <a:t>1/30/2023</a:t>
             </a:fld>
             <a:endParaRPr lang="en-US"/>
           </a:p>
@@ -506,7 +976,7 @@
           <a:p>
             <a:fld id="{059DCC64-776B-4810-BE0C-8D7C867DF9A4}" type="datetimeFigureOut">
               <a:rPr lang="en-US" smtClean="0"/>
-              <a:t>1/22/2023</a:t>
+              <a:t>1/30/2023</a:t>
             </a:fld>
             <a:endParaRPr lang="en-US"/>
           </a:p>
@@ -714,7 +1184,7 @@
           <a:p>
             <a:fld id="{059DCC64-776B-4810-BE0C-8D7C867DF9A4}" type="datetimeFigureOut">
               <a:rPr lang="en-US" smtClean="0"/>
-              <a:t>1/22/2023</a:t>
+              <a:t>1/30/2023</a:t>
             </a:fld>
             <a:endParaRPr lang="en-US"/>
           </a:p>
@@ -912,7 +1382,7 @@
           <a:p>
             <a:fld id="{059DCC64-776B-4810-BE0C-8D7C867DF9A4}" type="datetimeFigureOut">
               <a:rPr lang="en-US" smtClean="0"/>
-              <a:t>1/22/2023</a:t>
+              <a:t>1/30/2023</a:t>
             </a:fld>
             <a:endParaRPr lang="en-US"/>
           </a:p>
@@ -1187,7 +1657,7 @@
           <a:p>
             <a:fld id="{059DCC64-776B-4810-BE0C-8D7C867DF9A4}" type="datetimeFigureOut">
               <a:rPr lang="en-US" smtClean="0"/>
-              <a:t>1/22/2023</a:t>
+              <a:t>1/30/2023</a:t>
             </a:fld>
             <a:endParaRPr lang="en-US"/>
           </a:p>
@@ -1452,7 +1922,7 @@
           <a:p>
             <a:fld id="{059DCC64-776B-4810-BE0C-8D7C867DF9A4}" type="datetimeFigureOut">
               <a:rPr lang="en-US" smtClean="0"/>
-              <a:t>1/22/2023</a:t>
+              <a:t>1/30/2023</a:t>
             </a:fld>
             <a:endParaRPr lang="en-US"/>
           </a:p>
@@ -1864,7 +2334,7 @@
           <a:p>
             <a:fld id="{059DCC64-776B-4810-BE0C-8D7C867DF9A4}" type="datetimeFigureOut">
               <a:rPr lang="en-US" smtClean="0"/>
-              <a:t>1/22/2023</a:t>
+              <a:t>1/30/2023</a:t>
             </a:fld>
             <a:endParaRPr lang="en-US"/>
           </a:p>
@@ -2005,7 +2475,7 @@
           <a:p>
             <a:fld id="{059DCC64-776B-4810-BE0C-8D7C867DF9A4}" type="datetimeFigureOut">
               <a:rPr lang="en-US" smtClean="0"/>
-              <a:t>1/22/2023</a:t>
+              <a:t>1/30/2023</a:t>
             </a:fld>
             <a:endParaRPr lang="en-US"/>
           </a:p>
@@ -2118,7 +2588,7 @@
           <a:p>
             <a:fld id="{059DCC64-776B-4810-BE0C-8D7C867DF9A4}" type="datetimeFigureOut">
               <a:rPr lang="en-US" smtClean="0"/>
-              <a:t>1/22/2023</a:t>
+              <a:t>1/30/2023</a:t>
             </a:fld>
             <a:endParaRPr lang="en-US"/>
           </a:p>
@@ -2429,7 +2899,7 @@
           <a:p>
             <a:fld id="{059DCC64-776B-4810-BE0C-8D7C867DF9A4}" type="datetimeFigureOut">
               <a:rPr lang="en-US" smtClean="0"/>
-              <a:t>1/22/2023</a:t>
+              <a:t>1/30/2023</a:t>
             </a:fld>
             <a:endParaRPr lang="en-US"/>
           </a:p>
@@ -2717,7 +3187,7 @@
           <a:p>
             <a:fld id="{059DCC64-776B-4810-BE0C-8D7C867DF9A4}" type="datetimeFigureOut">
               <a:rPr lang="en-US" smtClean="0"/>
-              <a:t>1/22/2023</a:t>
+              <a:t>1/30/2023</a:t>
             </a:fld>
             <a:endParaRPr lang="en-US"/>
           </a:p>
@@ -2958,7 +3428,7 @@
           <a:p>
             <a:fld id="{059DCC64-776B-4810-BE0C-8D7C867DF9A4}" type="datetimeFigureOut">
               <a:rPr lang="en-US" smtClean="0"/>
-              <a:t>1/22/2023</a:t>
+              <a:t>1/30/2023</a:t>
             </a:fld>
             <a:endParaRPr lang="en-US"/>
           </a:p>
@@ -3470,7 +3940,7 @@
         </p:blipFill>
         <p:spPr bwMode="auto">
           <a:xfrm>
-            <a:off x="3523488" y="0"/>
+            <a:off x="-7836154" y="0"/>
             <a:ext cx="8668512" cy="6857990"/>
           </a:xfrm>
           <a:prstGeom prst="rect">
@@ -3587,7 +4057,7 @@
         </p:nvSpPr>
         <p:spPr>
           <a:xfrm>
-            <a:off x="0" y="1912708"/>
+            <a:off x="265453" y="1935503"/>
             <a:ext cx="7592291" cy="1493492"/>
           </a:xfrm>
         </p:spPr>
@@ -3629,7 +4099,7 @@
         </p:nvSpPr>
         <p:spPr>
           <a:xfrm>
-            <a:off x="477980" y="4872922"/>
+            <a:off x="481029" y="4719060"/>
             <a:ext cx="4236633" cy="1985078"/>
           </a:xfrm>
         </p:spPr>
@@ -3887,6 +4357,43 @@
               <a:ea typeface="+mn-ea"/>
               <a:cs typeface="+mn-cs"/>
             </a:endParaRPr>
+          </a:p>
+        </p:txBody>
+      </p:sp>
+      <p:sp>
+        <p:nvSpPr>
+          <p:cNvPr id="5" name="TextBox 4">
+            <a:extLst>
+              <a:ext uri="{FF2B5EF4-FFF2-40B4-BE49-F238E27FC236}">
+                <a16:creationId xmlns:a16="http://schemas.microsoft.com/office/drawing/2014/main" id="{426EE277-D895-7651-FC69-3F6454B0BE60}"/>
+              </a:ext>
+            </a:extLst>
+          </p:cNvPr>
+          <p:cNvSpPr txBox="1"/>
+          <p:nvPr/>
+        </p:nvSpPr>
+        <p:spPr>
+          <a:xfrm>
+            <a:off x="481029" y="4064469"/>
+            <a:ext cx="2374811" cy="369332"/>
+          </a:xfrm>
+          <a:prstGeom prst="rect">
+            <a:avLst/>
+          </a:prstGeom>
+          <a:noFill/>
+        </p:spPr>
+        <p:txBody>
+          <a:bodyPr wrap="square" rtlCol="0">
+            <a:spAutoFit/>
+          </a:bodyPr>
+          <a:lstStyle/>
+          <a:p>
+            <a:pPr algn="l"/>
+            <a:r>
+              <a:rPr lang="en-US" dirty="0"/>
+              <a:t>Project 3</a:t>
+            </a:r>
+            <a:endParaRPr lang="en-US" sz="1800" dirty="0"/>
           </a:p>
         </p:txBody>
       </p:sp>
@@ -4041,7 +4548,7 @@
         </p:spPr>
         <p:txBody>
           <a:bodyPr>
-            <a:normAutofit/>
+            <a:normAutofit fontScale="85000" lnSpcReduction="10000"/>
           </a:bodyPr>
           <a:lstStyle/>
           <a:p>
@@ -4055,6 +4562,32 @@
               </a:rPr>
               <a:t>Team 3 project compares United State counties per capita income and crime rate. </a:t>
             </a:r>
+          </a:p>
+          <a:p>
+            <a:pPr marL="0" indent="0">
+              <a:buNone/>
+            </a:pPr>
+            <a:r>
+              <a:rPr lang="en-US" b="0" i="0" dirty="0">
+                <a:effectLst/>
+                <a:latin typeface="-apple-system"/>
+              </a:rPr>
+              <a:t>Question - </a:t>
+            </a:r>
+            <a:r>
+              <a:rPr lang="en-US" b="0" i="0" dirty="0">
+                <a:solidFill>
+                  <a:srgbClr val="1D1C1D"/>
+                </a:solidFill>
+                <a:effectLst/>
+                <a:latin typeface="Slack-Lato"/>
+              </a:rPr>
+              <a:t>which states and counties had the most or which crime was the most prevalent based by income?</a:t>
+            </a:r>
+            <a:endParaRPr lang="en-US" b="0" i="0" dirty="0">
+              <a:effectLst/>
+              <a:latin typeface="-apple-system"/>
+            </a:endParaRPr>
           </a:p>
           <a:p>
             <a:pPr marL="0" indent="0">
@@ -4506,6 +5039,14 @@
 <file path=ppt/slides/slide4.xml><?xml version="1.0" encoding="utf-8"?>
 <p:sld xmlns:a="http://schemas.openxmlformats.org/drawingml/2006/main" xmlns:r="http://schemas.openxmlformats.org/officeDocument/2006/relationships" xmlns:p="http://schemas.openxmlformats.org/presentationml/2006/main">
   <p:cSld>
+    <p:bg>
+      <p:bgPr>
+        <a:solidFill>
+          <a:schemeClr val="bg1"/>
+        </a:solidFill>
+        <a:effectLst/>
+      </p:bgPr>
+    </p:bg>
     <p:spTree>
       <p:nvGrpSpPr>
         <p:cNvPr id="1" name=""/>
@@ -4520,52 +5061,190 @@
           <a:chExt cx="0" cy="0"/>
         </a:xfrm>
       </p:grpSpPr>
+      <p:sp>
+        <p:nvSpPr>
+          <p:cNvPr id="7" name="Title 6">
+            <a:extLst>
+              <a:ext uri="{FF2B5EF4-FFF2-40B4-BE49-F238E27FC236}">
+                <a16:creationId xmlns:a16="http://schemas.microsoft.com/office/drawing/2014/main" id="{6A8F7CE2-ADF7-2752-1B7E-FB6597F820AD}"/>
+              </a:ext>
+            </a:extLst>
+          </p:cNvPr>
+          <p:cNvSpPr>
+            <a:spLocks noGrp="1"/>
+          </p:cNvSpPr>
+          <p:nvPr>
+            <p:ph type="title"/>
+          </p:nvPr>
+        </p:nvSpPr>
+        <p:spPr>
+          <a:xfrm>
+            <a:off x="4487436" y="0"/>
+            <a:ext cx="3923318" cy="926821"/>
+          </a:xfrm>
+        </p:spPr>
+        <p:txBody>
+          <a:bodyPr>
+            <a:normAutofit/>
+          </a:bodyPr>
+          <a:lstStyle/>
+          <a:p>
+            <a:pPr algn="ctr"/>
+            <a:r>
+              <a:rPr lang="en-US" sz="4400" dirty="0"/>
+              <a:t>Transform Data</a:t>
+            </a:r>
+          </a:p>
+        </p:txBody>
+      </p:sp>
+      <p:cxnSp>
+        <p:nvCxnSpPr>
+          <p:cNvPr id="1048" name="Straight Arrow Connector 1041">
+            <a:extLst>
+              <a:ext uri="{FF2B5EF4-FFF2-40B4-BE49-F238E27FC236}">
+                <a16:creationId xmlns:a16="http://schemas.microsoft.com/office/drawing/2014/main" id="{E4A809D5-3600-46D4-A466-67F2349A54FB}"/>
+              </a:ext>
+              <a:ext uri="{C183D7F6-B498-43B3-948B-1728B52AA6E4}">
+                <adec:decorative xmlns:adec="http://schemas.microsoft.com/office/drawing/2017/decorative" val="1"/>
+              </a:ext>
+            </a:extLst>
+          </p:cNvPr>
+          <p:cNvCxnSpPr>
+            <a:cxnSpLocks noGrp="1" noRot="1" noChangeAspect="1" noMove="1" noResize="1" noEditPoints="1" noAdjustHandles="1" noChangeArrowheads="1" noChangeShapeType="1"/>
+          </p:cNvCxnSpPr>
+          <p:nvPr>
+            <p:extLst>
+              <p:ext uri="{386F3935-93C4-4BCD-93E2-E3B085C9AB24}">
+                <p16:designElem xmlns:p16="http://schemas.microsoft.com/office/powerpoint/2015/main" val="1"/>
+              </p:ext>
+            </p:extLst>
+          </p:nvPr>
+        </p:nvCxnSpPr>
+        <p:spPr>
+          <a:xfrm>
+            <a:off x="655320" y="2316480"/>
+            <a:ext cx="4572000" cy="0"/>
+          </a:xfrm>
+          <a:prstGeom prst="straightConnector1">
+            <a:avLst/>
+          </a:prstGeom>
+          <a:ln w="19050" cap="sq">
+            <a:solidFill>
+              <a:schemeClr val="tx1"/>
+            </a:solidFill>
+            <a:tailEnd type="none"/>
+          </a:ln>
+        </p:spPr>
+        <p:style>
+          <a:lnRef idx="1">
+            <a:schemeClr val="accent1"/>
+          </a:lnRef>
+          <a:fillRef idx="0">
+            <a:schemeClr val="accent1"/>
+          </a:fillRef>
+          <a:effectRef idx="0">
+            <a:schemeClr val="accent1"/>
+          </a:effectRef>
+          <a:fontRef idx="minor">
+            <a:schemeClr val="tx1"/>
+          </a:fontRef>
+        </p:style>
+      </p:cxnSp>
       <p:pic>
         <p:nvPicPr>
-          <p:cNvPr id="4" name="Picture 3">
-            <a:extLst>
-              <a:ext uri="{FF2B5EF4-FFF2-40B4-BE49-F238E27FC236}">
-                <a16:creationId xmlns:a16="http://schemas.microsoft.com/office/drawing/2014/main" id="{25823335-1835-645D-90BD-60EEF3FB8D14}"/>
+          <p:cNvPr id="1026" name="Picture 2" descr="Taped Off Crime Scene with Stock Footage Video (100% Royalty-free ...">
+            <a:extLst>
+              <a:ext uri="{FF2B5EF4-FFF2-40B4-BE49-F238E27FC236}">
+                <a16:creationId xmlns:a16="http://schemas.microsoft.com/office/drawing/2014/main" id="{0243D67A-2D4C-F293-960B-5A8BEF69F7F5}"/>
               </a:ext>
             </a:extLst>
           </p:cNvPr>
           <p:cNvPicPr>
-            <a:picLocks noChangeAspect="1"/>
+            <a:picLocks noChangeAspect="1" noChangeArrowheads="1"/>
           </p:cNvPicPr>
           <p:nvPr/>
         </p:nvPicPr>
-        <p:blipFill>
-          <a:blip r:embed="rId2"/>
-          <a:stretch>
-            <a:fillRect/>
-          </a:stretch>
+        <p:blipFill rotWithShape="1">
+          <a:blip r:embed="rId2">
+            <a:extLst>
+              <a:ext uri="{28A0092B-C50C-407E-A947-70E740481C1C}">
+                <a14:useLocalDpi xmlns:a14="http://schemas.microsoft.com/office/drawing/2010/main" val="0"/>
+              </a:ext>
+            </a:extLst>
+          </a:blip>
+          <a:srcRect l="6427" r="41792"/>
+          <a:stretch/>
         </p:blipFill>
+        <p:spPr bwMode="auto">
+          <a:xfrm>
+            <a:off x="8790317" y="11"/>
+            <a:ext cx="3401682" cy="3695254"/>
+          </a:xfrm>
+          <a:custGeom>
+            <a:avLst/>
+            <a:gdLst/>
+            <a:ahLst/>
+            <a:cxnLst/>
+            <a:rect l="l" t="t" r="r" b="b"/>
+            <a:pathLst>
+              <a:path w="6313150" h="6857997">
+                <a:moveTo>
+                  <a:pt x="65565" y="0"/>
+                </a:moveTo>
+                <a:lnTo>
+                  <a:pt x="6313150" y="0"/>
+                </a:lnTo>
+                <a:lnTo>
+                  <a:pt x="6313150" y="6857997"/>
+                </a:lnTo>
+                <a:lnTo>
+                  <a:pt x="3293946" y="6857997"/>
+                </a:lnTo>
+                <a:lnTo>
+                  <a:pt x="3235857" y="6823061"/>
+                </a:lnTo>
+                <a:cubicBezTo>
+                  <a:pt x="1291240" y="5592803"/>
+                  <a:pt x="0" y="3423096"/>
+                  <a:pt x="0" y="951803"/>
+                </a:cubicBezTo>
+                <a:cubicBezTo>
+                  <a:pt x="0" y="727140"/>
+                  <a:pt x="10673" y="504970"/>
+                  <a:pt x="31536" y="285771"/>
+                </a:cubicBezTo>
+                <a:close/>
+              </a:path>
+            </a:pathLst>
+          </a:custGeom>
+          <a:noFill/>
+          <a:extLst>
+            <a:ext uri="{909E8E84-426E-40DD-AFC4-6F175D3DCCD1}">
+              <a14:hiddenFill xmlns:a14="http://schemas.microsoft.com/office/drawing/2010/main">
+                <a:solidFill>
+                  <a:srgbClr val="FFFFFF"/>
+                </a:solidFill>
+              </a14:hiddenFill>
+            </a:ext>
+          </a:extLst>
+        </p:spPr>
+      </p:pic>
+      <p:sp>
+        <p:nvSpPr>
+          <p:cNvPr id="4" name="TextBox 3">
+            <a:extLst>
+              <a:ext uri="{FF2B5EF4-FFF2-40B4-BE49-F238E27FC236}">
+                <a16:creationId xmlns:a16="http://schemas.microsoft.com/office/drawing/2014/main" id="{699C33D0-BDF1-99E2-754B-50DB4DD384CD}"/>
+              </a:ext>
+            </a:extLst>
+          </p:cNvPr>
+          <p:cNvSpPr txBox="1"/>
+          <p:nvPr/>
+        </p:nvSpPr>
         <p:spPr>
           <a:xfrm>
-            <a:off x="0" y="906010"/>
-            <a:ext cx="12192000" cy="5951673"/>
-          </a:xfrm>
-          <a:prstGeom prst="rect">
-            <a:avLst/>
-          </a:prstGeom>
-        </p:spPr>
-      </p:pic>
-      <p:sp>
-        <p:nvSpPr>
-          <p:cNvPr id="5" name="TextBox 4">
-            <a:extLst>
-              <a:ext uri="{FF2B5EF4-FFF2-40B4-BE49-F238E27FC236}">
-                <a16:creationId xmlns:a16="http://schemas.microsoft.com/office/drawing/2014/main" id="{DA7D1D07-07C1-5671-1520-B75142FAD401}"/>
-              </a:ext>
-            </a:extLst>
-          </p:cNvPr>
-          <p:cNvSpPr txBox="1"/>
-          <p:nvPr/>
-        </p:nvSpPr>
-        <p:spPr>
-          <a:xfrm>
-            <a:off x="1033753" y="96981"/>
-            <a:ext cx="9437614" cy="646331"/>
+            <a:off x="118616" y="498265"/>
+            <a:ext cx="9165107" cy="1846659"/>
           </a:xfrm>
           <a:prstGeom prst="rect">
             <a:avLst/>
@@ -4578,18 +5257,205 @@
           </a:bodyPr>
           <a:lstStyle/>
           <a:p>
-            <a:pPr algn="ctr"/>
-            <a:r>
-              <a:rPr lang="en-US" sz="3600" dirty="0"/>
-              <a:t>Transform Data – Counties per Capita Income </a:t>
-            </a:r>
+            <a:r>
+              <a:rPr lang="en-US" sz="2400" b="1" dirty="0"/>
+              <a:t>Counties per Capita Income</a:t>
+            </a:r>
+          </a:p>
+          <a:p>
+            <a:pPr marL="571500" indent="-571500">
+              <a:buFontTx/>
+              <a:buChar char="-"/>
+            </a:pPr>
+            <a:r>
+              <a:rPr lang="en-US" dirty="0"/>
+              <a:t>Replaced all dollar's signs and commas to be readable.</a:t>
+            </a:r>
+          </a:p>
+          <a:p>
+            <a:pPr marL="571500" indent="-571500">
+              <a:buFontTx/>
+              <a:buChar char="-"/>
+            </a:pPr>
+            <a:r>
+              <a:rPr lang="en-US" dirty="0"/>
+              <a:t>Reconfigured the D types of the variables and sorted by household income and      realigned the index to excluding the 0 to rank them.</a:t>
+            </a:r>
+          </a:p>
+          <a:p>
+            <a:pPr marL="571500" indent="-571500">
+              <a:buFontTx/>
+              <a:buChar char="-"/>
+            </a:pPr>
+            <a:r>
+              <a:rPr lang="en-US" dirty="0"/>
+              <a:t>Renaming of headers.</a:t>
+            </a:r>
+          </a:p>
+          <a:p>
+            <a:pPr marL="571500" indent="-571500">
+              <a:buFontTx/>
+              <a:buChar char="-"/>
+            </a:pPr>
+            <a:r>
+              <a:rPr lang="en-US" dirty="0"/>
+              <a:t>Copied the state name and turned into abbreviations.</a:t>
+            </a:r>
+          </a:p>
+        </p:txBody>
+      </p:sp>
+      <p:sp>
+        <p:nvSpPr>
+          <p:cNvPr id="6" name="TextBox 5">
+            <a:extLst>
+              <a:ext uri="{FF2B5EF4-FFF2-40B4-BE49-F238E27FC236}">
+                <a16:creationId xmlns:a16="http://schemas.microsoft.com/office/drawing/2014/main" id="{7876C0D9-F122-97D6-8293-C943E039F39A}"/>
+              </a:ext>
+            </a:extLst>
+          </p:cNvPr>
+          <p:cNvSpPr txBox="1"/>
+          <p:nvPr/>
+        </p:nvSpPr>
+        <p:spPr>
+          <a:xfrm>
+            <a:off x="118616" y="2565036"/>
+            <a:ext cx="11221376" cy="1846659"/>
+          </a:xfrm>
+          <a:prstGeom prst="rect">
+            <a:avLst/>
+          </a:prstGeom>
+          <a:noFill/>
+        </p:spPr>
+        <p:txBody>
+          <a:bodyPr wrap="square" rtlCol="0">
+            <a:spAutoFit/>
+          </a:bodyPr>
+          <a:lstStyle/>
+          <a:p>
+            <a:r>
+              <a:rPr lang="en-US" sz="2400" b="1" dirty="0"/>
+              <a:t>Crime Rate by County</a:t>
+            </a:r>
+          </a:p>
+          <a:p>
+            <a:pPr marL="342900" indent="-342900">
+              <a:buFontTx/>
+              <a:buChar char="-"/>
+            </a:pPr>
+            <a:r>
+              <a:rPr lang="en-US" dirty="0"/>
+              <a:t>String split using the commas to separate the county name and state abbreviation and added into                              a new column </a:t>
+            </a:r>
+          </a:p>
+          <a:p>
+            <a:pPr marL="342900" indent="-342900">
+              <a:buFontTx/>
+              <a:buChar char="-"/>
+            </a:pPr>
+            <a:r>
+              <a:rPr lang="en-US" dirty="0"/>
+              <a:t>Added zeros to the FIPS state and city to form two digits and three digits respectively to form a FIPS code</a:t>
+            </a:r>
+          </a:p>
+          <a:p>
+            <a:pPr marL="342900" indent="-342900">
+              <a:buFontTx/>
+              <a:buChar char="-"/>
+            </a:pPr>
+            <a:r>
+              <a:rPr lang="en-US" dirty="0"/>
+              <a:t>Added the 8 major groups of violent crimes to form a total violent crime column.</a:t>
+            </a:r>
+          </a:p>
+          <a:p>
+            <a:pPr marL="342900" indent="-342900">
+              <a:buFontTx/>
+              <a:buChar char="-"/>
+            </a:pPr>
+            <a:r>
+              <a:rPr lang="en-US" dirty="0"/>
+              <a:t>Remove all names of county borough to match the other data  </a:t>
+            </a:r>
+            <a:endParaRPr lang="en-US" sz="2000" dirty="0"/>
+          </a:p>
+        </p:txBody>
+      </p:sp>
+      <p:sp>
+        <p:nvSpPr>
+          <p:cNvPr id="8" name="TextBox 7">
+            <a:extLst>
+              <a:ext uri="{FF2B5EF4-FFF2-40B4-BE49-F238E27FC236}">
+                <a16:creationId xmlns:a16="http://schemas.microsoft.com/office/drawing/2014/main" id="{2FE1628D-1691-A9B5-770D-0CE4BB4E2BB8}"/>
+              </a:ext>
+            </a:extLst>
+          </p:cNvPr>
+          <p:cNvSpPr txBox="1"/>
+          <p:nvPr/>
+        </p:nvSpPr>
+        <p:spPr>
+          <a:xfrm>
+            <a:off x="118616" y="4524047"/>
+            <a:ext cx="11221376" cy="1600438"/>
+          </a:xfrm>
+          <a:prstGeom prst="rect">
+            <a:avLst/>
+          </a:prstGeom>
+          <a:noFill/>
+        </p:spPr>
+        <p:txBody>
+          <a:bodyPr wrap="square" rtlCol="0">
+            <a:spAutoFit/>
+          </a:bodyPr>
+          <a:lstStyle/>
+          <a:p>
+            <a:r>
+              <a:rPr lang="en-US" sz="2400" b="1" dirty="0"/>
+              <a:t>Merging Data Sets</a:t>
+            </a:r>
+          </a:p>
+          <a:p>
+            <a:pPr marL="285750" indent="-285750">
+              <a:buFontTx/>
+              <a:buChar char="-"/>
+            </a:pPr>
+            <a:r>
+              <a:rPr lang="en-US" dirty="0"/>
+              <a:t>Before merging we confirmed data types were similar.</a:t>
+            </a:r>
+          </a:p>
+          <a:p>
+            <a:pPr marL="285750" indent="-285750">
+              <a:buFontTx/>
+              <a:buChar char="-"/>
+            </a:pPr>
+            <a:r>
+              <a:rPr lang="en-US" dirty="0"/>
+              <a:t>Empty spaces were present before the values in the rows and columns removed to allow merging of data sets.</a:t>
+            </a:r>
+          </a:p>
+          <a:p>
+            <a:pPr marL="285750" indent="-285750">
+              <a:buFontTx/>
+              <a:buChar char="-"/>
+            </a:pPr>
+            <a:r>
+              <a:rPr lang="en-US" dirty="0"/>
+              <a:t>Based on FIPS added Lat /Long columns</a:t>
+            </a:r>
+          </a:p>
+          <a:p>
+            <a:pPr marL="342900" indent="-342900">
+              <a:buFontTx/>
+              <a:buChar char="-"/>
+            </a:pPr>
+            <a:endParaRPr lang="en-US" sz="2000" dirty="0"/>
           </a:p>
         </p:txBody>
       </p:sp>
     </p:spTree>
     <p:extLst>
       <p:ext uri="{BB962C8B-B14F-4D97-AF65-F5344CB8AC3E}">
-        <p14:creationId xmlns:p14="http://schemas.microsoft.com/office/powerpoint/2010/main" val="1868066195"/>
+        <p14:creationId xmlns:p14="http://schemas.microsoft.com/office/powerpoint/2010/main" val="1402750702"/>
       </p:ext>
     </p:extLst>
   </p:cSld>
@@ -4600,6 +5466,333 @@
 </file>
 
 <file path=ppt/slides/slide5.xml><?xml version="1.0" encoding="utf-8"?>
+<p:sld xmlns:a="http://schemas.openxmlformats.org/drawingml/2006/main" xmlns:r="http://schemas.openxmlformats.org/officeDocument/2006/relationships" xmlns:p="http://schemas.openxmlformats.org/presentationml/2006/main">
+  <p:cSld>
+    <p:bg>
+      <p:bgPr>
+        <a:solidFill>
+          <a:schemeClr val="bg1"/>
+        </a:solidFill>
+        <a:effectLst/>
+      </p:bgPr>
+    </p:bg>
+    <p:spTree>
+      <p:nvGrpSpPr>
+        <p:cNvPr id="1" name=""/>
+        <p:cNvGrpSpPr/>
+        <p:nvPr/>
+      </p:nvGrpSpPr>
+      <p:grpSpPr>
+        <a:xfrm>
+          <a:off x="0" y="0"/>
+          <a:ext cx="0" cy="0"/>
+          <a:chOff x="0" y="0"/>
+          <a:chExt cx="0" cy="0"/>
+        </a:xfrm>
+      </p:grpSpPr>
+      <p:sp>
+        <p:nvSpPr>
+          <p:cNvPr id="7" name="Title 6">
+            <a:extLst>
+              <a:ext uri="{FF2B5EF4-FFF2-40B4-BE49-F238E27FC236}">
+                <a16:creationId xmlns:a16="http://schemas.microsoft.com/office/drawing/2014/main" id="{6A8F7CE2-ADF7-2752-1B7E-FB6597F820AD}"/>
+              </a:ext>
+            </a:extLst>
+          </p:cNvPr>
+          <p:cNvSpPr>
+            <a:spLocks noGrp="1"/>
+          </p:cNvSpPr>
+          <p:nvPr>
+            <p:ph type="title"/>
+          </p:nvPr>
+        </p:nvSpPr>
+        <p:spPr>
+          <a:xfrm>
+            <a:off x="241252" y="61291"/>
+            <a:ext cx="5120114" cy="670573"/>
+          </a:xfrm>
+        </p:spPr>
+        <p:txBody>
+          <a:bodyPr>
+            <a:normAutofit fontScale="90000"/>
+          </a:bodyPr>
+          <a:lstStyle/>
+          <a:p>
+            <a:r>
+              <a:rPr lang="en-US" dirty="0"/>
+              <a:t>Load Data</a:t>
+            </a:r>
+          </a:p>
+        </p:txBody>
+      </p:sp>
+      <p:cxnSp>
+        <p:nvCxnSpPr>
+          <p:cNvPr id="1048" name="Straight Arrow Connector 1041">
+            <a:extLst>
+              <a:ext uri="{FF2B5EF4-FFF2-40B4-BE49-F238E27FC236}">
+                <a16:creationId xmlns:a16="http://schemas.microsoft.com/office/drawing/2014/main" id="{E4A809D5-3600-46D4-A466-67F2349A54FB}"/>
+              </a:ext>
+              <a:ext uri="{C183D7F6-B498-43B3-948B-1728B52AA6E4}">
+                <adec:decorative xmlns:adec="http://schemas.microsoft.com/office/drawing/2017/decorative" val="1"/>
+              </a:ext>
+            </a:extLst>
+          </p:cNvPr>
+          <p:cNvCxnSpPr>
+            <a:cxnSpLocks noGrp="1" noRot="1" noChangeAspect="1" noMove="1" noResize="1" noEditPoints="1" noAdjustHandles="1" noChangeArrowheads="1" noChangeShapeType="1"/>
+          </p:cNvCxnSpPr>
+          <p:nvPr>
+            <p:extLst>
+              <p:ext uri="{386F3935-93C4-4BCD-93E2-E3B085C9AB24}">
+                <p16:designElem xmlns:p16="http://schemas.microsoft.com/office/powerpoint/2015/main" val="1"/>
+              </p:ext>
+            </p:extLst>
+          </p:nvPr>
+        </p:nvCxnSpPr>
+        <p:spPr>
+          <a:xfrm>
+            <a:off x="655320" y="2316480"/>
+            <a:ext cx="4572000" cy="0"/>
+          </a:xfrm>
+          <a:prstGeom prst="straightConnector1">
+            <a:avLst/>
+          </a:prstGeom>
+          <a:ln w="19050" cap="sq">
+            <a:solidFill>
+              <a:schemeClr val="tx1"/>
+            </a:solidFill>
+            <a:tailEnd type="none"/>
+          </a:ln>
+        </p:spPr>
+        <p:style>
+          <a:lnRef idx="1">
+            <a:schemeClr val="accent1"/>
+          </a:lnRef>
+          <a:fillRef idx="0">
+            <a:schemeClr val="accent1"/>
+          </a:fillRef>
+          <a:effectRef idx="0">
+            <a:schemeClr val="accent1"/>
+          </a:effectRef>
+          <a:fontRef idx="minor">
+            <a:schemeClr val="tx1"/>
+          </a:fontRef>
+        </p:style>
+      </p:cxnSp>
+      <p:pic>
+        <p:nvPicPr>
+          <p:cNvPr id="1026" name="Picture 2" descr="Taped Off Crime Scene with Stock Footage Video (100% Royalty-free ...">
+            <a:extLst>
+              <a:ext uri="{FF2B5EF4-FFF2-40B4-BE49-F238E27FC236}">
+                <a16:creationId xmlns:a16="http://schemas.microsoft.com/office/drawing/2014/main" id="{0243D67A-2D4C-F293-960B-5A8BEF69F7F5}"/>
+              </a:ext>
+            </a:extLst>
+          </p:cNvPr>
+          <p:cNvPicPr>
+            <a:picLocks noChangeAspect="1" noChangeArrowheads="1"/>
+          </p:cNvPicPr>
+          <p:nvPr/>
+        </p:nvPicPr>
+        <p:blipFill rotWithShape="1">
+          <a:blip r:embed="rId2">
+            <a:extLst>
+              <a:ext uri="{28A0092B-C50C-407E-A947-70E740481C1C}">
+                <a14:useLocalDpi xmlns:a14="http://schemas.microsoft.com/office/drawing/2010/main" val="0"/>
+              </a:ext>
+            </a:extLst>
+          </a:blip>
+          <a:srcRect l="6427" r="41792"/>
+          <a:stretch/>
+        </p:blipFill>
+        <p:spPr bwMode="auto">
+          <a:xfrm>
+            <a:off x="7030303" y="11"/>
+            <a:ext cx="5161696" cy="5607160"/>
+          </a:xfrm>
+          <a:custGeom>
+            <a:avLst/>
+            <a:gdLst/>
+            <a:ahLst/>
+            <a:cxnLst/>
+            <a:rect l="l" t="t" r="r" b="b"/>
+            <a:pathLst>
+              <a:path w="6313150" h="6857997">
+                <a:moveTo>
+                  <a:pt x="65565" y="0"/>
+                </a:moveTo>
+                <a:lnTo>
+                  <a:pt x="6313150" y="0"/>
+                </a:lnTo>
+                <a:lnTo>
+                  <a:pt x="6313150" y="6857997"/>
+                </a:lnTo>
+                <a:lnTo>
+                  <a:pt x="3293946" y="6857997"/>
+                </a:lnTo>
+                <a:lnTo>
+                  <a:pt x="3235857" y="6823061"/>
+                </a:lnTo>
+                <a:cubicBezTo>
+                  <a:pt x="1291240" y="5592803"/>
+                  <a:pt x="0" y="3423096"/>
+                  <a:pt x="0" y="951803"/>
+                </a:cubicBezTo>
+                <a:cubicBezTo>
+                  <a:pt x="0" y="727140"/>
+                  <a:pt x="10673" y="504970"/>
+                  <a:pt x="31536" y="285771"/>
+                </a:cubicBezTo>
+                <a:close/>
+              </a:path>
+            </a:pathLst>
+          </a:custGeom>
+          <a:noFill/>
+          <a:extLst>
+            <a:ext uri="{909E8E84-426E-40DD-AFC4-6F175D3DCCD1}">
+              <a14:hiddenFill xmlns:a14="http://schemas.microsoft.com/office/drawing/2010/main">
+                <a:solidFill>
+                  <a:srgbClr val="FFFFFF"/>
+                </a:solidFill>
+              </a14:hiddenFill>
+            </a:ext>
+          </a:extLst>
+        </p:spPr>
+      </p:pic>
+      <p:sp>
+        <p:nvSpPr>
+          <p:cNvPr id="3" name="Content Placeholder 2">
+            <a:extLst>
+              <a:ext uri="{FF2B5EF4-FFF2-40B4-BE49-F238E27FC236}">
+                <a16:creationId xmlns:a16="http://schemas.microsoft.com/office/drawing/2014/main" id="{69ECFD8C-E756-DB8B-D2F7-9D055C345828}"/>
+              </a:ext>
+            </a:extLst>
+          </p:cNvPr>
+          <p:cNvSpPr>
+            <a:spLocks noGrp="1"/>
+          </p:cNvSpPr>
+          <p:nvPr>
+            <p:ph idx="1"/>
+          </p:nvPr>
+        </p:nvSpPr>
+        <p:spPr>
+          <a:xfrm>
+            <a:off x="103566" y="675891"/>
+            <a:ext cx="10515600" cy="1868057"/>
+          </a:xfrm>
+        </p:spPr>
+        <p:txBody>
+          <a:bodyPr>
+            <a:normAutofit/>
+          </a:bodyPr>
+          <a:lstStyle/>
+          <a:p>
+            <a:pPr marL="285750" indent="-285750">
+              <a:buFontTx/>
+              <a:buChar char="-"/>
+            </a:pPr>
+            <a:r>
+              <a:rPr lang="en-US" sz="2400" dirty="0"/>
+              <a:t>To load used SQLite3 </a:t>
+            </a:r>
+          </a:p>
+          <a:p>
+            <a:pPr marL="285750" indent="-285750">
+              <a:buFontTx/>
+              <a:buChar char="-"/>
+            </a:pPr>
+            <a:r>
+              <a:rPr lang="en-US" sz="2400" dirty="0"/>
+              <a:t>Using the Flask app we pulled data from SQLite                             Database and created API rest end point </a:t>
+            </a:r>
+          </a:p>
+          <a:p>
+            <a:pPr marL="285750" indent="-285750">
+              <a:buFontTx/>
+              <a:buChar char="-"/>
+            </a:pPr>
+            <a:r>
+              <a:rPr lang="en-US" sz="2400" dirty="0"/>
+              <a:t>Used render powered by Flask app.</a:t>
+            </a:r>
+          </a:p>
+          <a:p>
+            <a:endParaRPr lang="en-US" dirty="0"/>
+          </a:p>
+        </p:txBody>
+      </p:sp>
+      <p:pic>
+        <p:nvPicPr>
+          <p:cNvPr id="4" name="Picture 3">
+            <a:extLst>
+              <a:ext uri="{FF2B5EF4-FFF2-40B4-BE49-F238E27FC236}">
+                <a16:creationId xmlns:a16="http://schemas.microsoft.com/office/drawing/2014/main" id="{76D0BF78-5B80-EDA6-AE03-70709EF42A5B}"/>
+              </a:ext>
+            </a:extLst>
+          </p:cNvPr>
+          <p:cNvPicPr>
+            <a:picLocks noChangeAspect="1"/>
+          </p:cNvPicPr>
+          <p:nvPr/>
+        </p:nvPicPr>
+        <p:blipFill>
+          <a:blip r:embed="rId3"/>
+          <a:stretch>
+            <a:fillRect/>
+          </a:stretch>
+        </p:blipFill>
+        <p:spPr>
+          <a:xfrm>
+            <a:off x="103566" y="2389538"/>
+            <a:ext cx="4105790" cy="3023117"/>
+          </a:xfrm>
+          <a:prstGeom prst="rect">
+            <a:avLst/>
+          </a:prstGeom>
+        </p:spPr>
+      </p:pic>
+      <p:pic>
+        <p:nvPicPr>
+          <p:cNvPr id="6" name="Picture 5">
+            <a:extLst>
+              <a:ext uri="{FF2B5EF4-FFF2-40B4-BE49-F238E27FC236}">
+                <a16:creationId xmlns:a16="http://schemas.microsoft.com/office/drawing/2014/main" id="{1FC6DC22-53E6-4505-B0EE-8F271CC3C847}"/>
+              </a:ext>
+            </a:extLst>
+          </p:cNvPr>
+          <p:cNvPicPr>
+            <a:picLocks noChangeAspect="1"/>
+          </p:cNvPicPr>
+          <p:nvPr/>
+        </p:nvPicPr>
+        <p:blipFill>
+          <a:blip r:embed="rId4"/>
+          <a:stretch>
+            <a:fillRect/>
+          </a:stretch>
+        </p:blipFill>
+        <p:spPr>
+          <a:xfrm>
+            <a:off x="4301412" y="3805431"/>
+            <a:ext cx="4697211" cy="2991278"/>
+          </a:xfrm>
+          <a:prstGeom prst="rect">
+            <a:avLst/>
+          </a:prstGeom>
+        </p:spPr>
+      </p:pic>
+    </p:spTree>
+    <p:extLst>
+      <p:ext uri="{BB962C8B-B14F-4D97-AF65-F5344CB8AC3E}">
+        <p14:creationId xmlns:p14="http://schemas.microsoft.com/office/powerpoint/2010/main" val="3145214593"/>
+      </p:ext>
+    </p:extLst>
+  </p:cSld>
+  <p:clrMapOvr>
+    <a:masterClrMapping/>
+  </p:clrMapOvr>
+</p:sld>
+</file>
+
+<file path=ppt/slides/slide6.xml><?xml version="1.0" encoding="utf-8"?>
 <p:sld xmlns:a="http://schemas.openxmlformats.org/drawingml/2006/main" xmlns:r="http://schemas.openxmlformats.org/officeDocument/2006/relationships" xmlns:p="http://schemas.openxmlformats.org/presentationml/2006/main">
   <p:cSld>
     <p:spTree>
@@ -4647,17 +5840,17 @@
             <a:pPr algn="ctr"/>
             <a:r>
               <a:rPr lang="en-US" sz="3600" dirty="0"/>
-              <a:t>Transform Data – Crime Rates by County</a:t>
+              <a:t>Website Development</a:t>
             </a:r>
           </a:p>
         </p:txBody>
       </p:sp>
       <p:pic>
         <p:nvPicPr>
-          <p:cNvPr id="3" name="Picture 2">
-            <a:extLst>
-              <a:ext uri="{FF2B5EF4-FFF2-40B4-BE49-F238E27FC236}">
-                <a16:creationId xmlns:a16="http://schemas.microsoft.com/office/drawing/2014/main" id="{F496D75C-6102-47E3-BF2C-6986A804979C}"/>
+          <p:cNvPr id="3" name="Picture 2" descr="A screenshot of a game&#10;&#10;Description automatically generated with medium confidence">
+            <a:extLst>
+              <a:ext uri="{FF2B5EF4-FFF2-40B4-BE49-F238E27FC236}">
+                <a16:creationId xmlns:a16="http://schemas.microsoft.com/office/drawing/2014/main" id="{06352631-71DB-6B79-82E3-4A703E81D83F}"/>
               </a:ext>
             </a:extLst>
           </p:cNvPr>
@@ -4667,25 +5860,239 @@
           <p:nvPr/>
         </p:nvPicPr>
         <p:blipFill>
-          <a:blip r:embed="rId2"/>
+          <a:blip r:embed="rId2">
+            <a:extLst>
+              <a:ext uri="{28A0092B-C50C-407E-A947-70E740481C1C}">
+                <a14:useLocalDpi xmlns:a14="http://schemas.microsoft.com/office/drawing/2010/main" val="0"/>
+              </a:ext>
+            </a:extLst>
+          </a:blip>
           <a:stretch>
             <a:fillRect/>
           </a:stretch>
         </p:blipFill>
         <p:spPr>
           <a:xfrm>
-            <a:off x="0" y="927978"/>
-            <a:ext cx="12163884" cy="5930022"/>
+            <a:off x="0" y="1100176"/>
+            <a:ext cx="5600079" cy="2531545"/>
           </a:xfrm>
           <a:prstGeom prst="rect">
             <a:avLst/>
           </a:prstGeom>
         </p:spPr>
       </p:pic>
+      <p:sp>
+        <p:nvSpPr>
+          <p:cNvPr id="4" name="TextBox 3">
+            <a:extLst>
+              <a:ext uri="{FF2B5EF4-FFF2-40B4-BE49-F238E27FC236}">
+                <a16:creationId xmlns:a16="http://schemas.microsoft.com/office/drawing/2014/main" id="{E6C6918C-B9C1-AE24-6D93-1FD04A908E0C}"/>
+              </a:ext>
+            </a:extLst>
+          </p:cNvPr>
+          <p:cNvSpPr txBox="1"/>
+          <p:nvPr/>
+        </p:nvSpPr>
+        <p:spPr>
+          <a:xfrm>
+            <a:off x="0" y="737078"/>
+            <a:ext cx="6074229" cy="369332"/>
+          </a:xfrm>
+          <a:prstGeom prst="rect">
+            <a:avLst/>
+          </a:prstGeom>
+          <a:noFill/>
+        </p:spPr>
+        <p:txBody>
+          <a:bodyPr wrap="square" rtlCol="0">
+            <a:spAutoFit/>
+          </a:bodyPr>
+          <a:lstStyle/>
+          <a:p>
+            <a:r>
+              <a:rPr lang="en-US" b="1" dirty="0"/>
+              <a:t>Showing Counties or States that report Crime Data </a:t>
+            </a:r>
+          </a:p>
+        </p:txBody>
+      </p:sp>
+      <p:pic>
+        <p:nvPicPr>
+          <p:cNvPr id="8" name="Picture 7" descr="Chart, scatter chart&#10;&#10;Description automatically generated">
+            <a:extLst>
+              <a:ext uri="{FF2B5EF4-FFF2-40B4-BE49-F238E27FC236}">
+                <a16:creationId xmlns:a16="http://schemas.microsoft.com/office/drawing/2014/main" id="{50EB9C57-75D9-FD82-AD14-19E212F4528E}"/>
+              </a:ext>
+            </a:extLst>
+          </p:cNvPr>
+          <p:cNvPicPr>
+            <a:picLocks noChangeAspect="1"/>
+          </p:cNvPicPr>
+          <p:nvPr/>
+        </p:nvPicPr>
+        <p:blipFill>
+          <a:blip r:embed="rId3">
+            <a:extLst>
+              <a:ext uri="{28A0092B-C50C-407E-A947-70E740481C1C}">
+                <a14:useLocalDpi xmlns:a14="http://schemas.microsoft.com/office/drawing/2010/main" val="0"/>
+              </a:ext>
+            </a:extLst>
+          </a:blip>
+          <a:stretch>
+            <a:fillRect/>
+          </a:stretch>
+        </p:blipFill>
+        <p:spPr>
+          <a:xfrm>
+            <a:off x="5981489" y="1041108"/>
+            <a:ext cx="5773947" cy="2559958"/>
+          </a:xfrm>
+          <a:prstGeom prst="rect">
+            <a:avLst/>
+          </a:prstGeom>
+        </p:spPr>
+      </p:pic>
+      <p:sp>
+        <p:nvSpPr>
+          <p:cNvPr id="9" name="TextBox 8">
+            <a:extLst>
+              <a:ext uri="{FF2B5EF4-FFF2-40B4-BE49-F238E27FC236}">
+                <a16:creationId xmlns:a16="http://schemas.microsoft.com/office/drawing/2014/main" id="{8738F710-52C6-37D2-539A-2D5A0DBFF9C7}"/>
+              </a:ext>
+            </a:extLst>
+          </p:cNvPr>
+          <p:cNvSpPr txBox="1"/>
+          <p:nvPr/>
+        </p:nvSpPr>
+        <p:spPr>
+          <a:xfrm>
+            <a:off x="5397514" y="721751"/>
+            <a:ext cx="7034637" cy="369332"/>
+          </a:xfrm>
+          <a:prstGeom prst="rect">
+            <a:avLst/>
+          </a:prstGeom>
+          <a:noFill/>
+        </p:spPr>
+        <p:txBody>
+          <a:bodyPr wrap="square" rtlCol="0">
+            <a:spAutoFit/>
+          </a:bodyPr>
+          <a:lstStyle/>
+          <a:p>
+            <a:r>
+              <a:rPr lang="en-US" b="1" dirty="0"/>
+              <a:t>Showing household income and total violent crime by state dropdown  </a:t>
+            </a:r>
+          </a:p>
+        </p:txBody>
+      </p:sp>
+      <p:pic>
+        <p:nvPicPr>
+          <p:cNvPr id="6" name="Picture 5">
+            <a:extLst>
+              <a:ext uri="{FF2B5EF4-FFF2-40B4-BE49-F238E27FC236}">
+                <a16:creationId xmlns:a16="http://schemas.microsoft.com/office/drawing/2014/main" id="{E3C25057-BFC3-B241-2BCE-29D2D297B3AF}"/>
+              </a:ext>
+            </a:extLst>
+          </p:cNvPr>
+          <p:cNvPicPr>
+            <a:picLocks noChangeAspect="1"/>
+          </p:cNvPicPr>
+          <p:nvPr/>
+        </p:nvPicPr>
+        <p:blipFill>
+          <a:blip r:embed="rId4"/>
+          <a:stretch>
+            <a:fillRect/>
+          </a:stretch>
+        </p:blipFill>
+        <p:spPr>
+          <a:xfrm>
+            <a:off x="10162" y="3988585"/>
+            <a:ext cx="12192000" cy="2869415"/>
+          </a:xfrm>
+          <a:prstGeom prst="rect">
+            <a:avLst/>
+          </a:prstGeom>
+        </p:spPr>
+      </p:pic>
+      <p:sp>
+        <p:nvSpPr>
+          <p:cNvPr id="7" name="TextBox 6">
+            <a:extLst>
+              <a:ext uri="{FF2B5EF4-FFF2-40B4-BE49-F238E27FC236}">
+                <a16:creationId xmlns:a16="http://schemas.microsoft.com/office/drawing/2014/main" id="{4DF1CA69-DB2C-88D0-D31D-1B7AB283D09B}"/>
+              </a:ext>
+            </a:extLst>
+          </p:cNvPr>
+          <p:cNvSpPr txBox="1"/>
+          <p:nvPr/>
+        </p:nvSpPr>
+        <p:spPr>
+          <a:xfrm>
+            <a:off x="20842" y="3591823"/>
+            <a:ext cx="7034637" cy="369332"/>
+          </a:xfrm>
+          <a:prstGeom prst="rect">
+            <a:avLst/>
+          </a:prstGeom>
+          <a:noFill/>
+        </p:spPr>
+        <p:txBody>
+          <a:bodyPr wrap="square" rtlCol="0">
+            <a:spAutoFit/>
+          </a:bodyPr>
+          <a:lstStyle/>
+          <a:p>
+            <a:r>
+              <a:rPr lang="en-US" b="1" dirty="0"/>
+              <a:t>Showing household income and total violent crime by state dropdown  </a:t>
+            </a:r>
+          </a:p>
+        </p:txBody>
+      </p:sp>
+      <p:sp>
+        <p:nvSpPr>
+          <p:cNvPr id="2" name="TextBox 1">
+            <a:extLst>
+              <a:ext uri="{FF2B5EF4-FFF2-40B4-BE49-F238E27FC236}">
+                <a16:creationId xmlns:a16="http://schemas.microsoft.com/office/drawing/2014/main" id="{7F86A27B-ADA7-EDF4-A2A8-11FEF94BEE4B}"/>
+              </a:ext>
+            </a:extLst>
+          </p:cNvPr>
+          <p:cNvSpPr txBox="1"/>
+          <p:nvPr/>
+        </p:nvSpPr>
+        <p:spPr>
+          <a:xfrm rot="16200000">
+            <a:off x="-345058" y="5300181"/>
+            <a:ext cx="1223415" cy="246221"/>
+          </a:xfrm>
+          <a:prstGeom prst="rect">
+            <a:avLst/>
+          </a:prstGeom>
+          <a:solidFill>
+            <a:schemeClr val="bg1"/>
+          </a:solidFill>
+        </p:spPr>
+        <p:txBody>
+          <a:bodyPr wrap="square" rtlCol="0">
+            <a:spAutoFit/>
+          </a:bodyPr>
+          <a:lstStyle/>
+          <a:p>
+            <a:r>
+              <a:rPr lang="en-US" sz="1000" dirty="0"/>
+              <a:t>Household Income</a:t>
+            </a:r>
+          </a:p>
+        </p:txBody>
+      </p:sp>
     </p:spTree>
     <p:extLst>
       <p:ext uri="{BB962C8B-B14F-4D97-AF65-F5344CB8AC3E}">
-        <p14:creationId xmlns:p14="http://schemas.microsoft.com/office/powerpoint/2010/main" val="4071104362"/>
+        <p14:creationId xmlns:p14="http://schemas.microsoft.com/office/powerpoint/2010/main" val="719907485"/>
       </p:ext>
     </p:extLst>
   </p:cSld>
@@ -4695,7 +6102,7 @@
 </p:sld>
 </file>
 
-<file path=ppt/slides/slide6.xml><?xml version="1.0" encoding="utf-8"?>
+<file path=ppt/slides/slide7.xml><?xml version="1.0" encoding="utf-8"?>
 <p:sld xmlns:a="http://schemas.openxmlformats.org/drawingml/2006/main" xmlns:r="http://schemas.openxmlformats.org/officeDocument/2006/relationships" xmlns:p="http://schemas.openxmlformats.org/presentationml/2006/main">
   <p:cSld>
     <p:bg>
@@ -5229,50 +6636,41 @@
       </p:sp>
       <p:sp>
         <p:nvSpPr>
-          <p:cNvPr id="4" name="Speech Bubble: Rectangle 3">
-            <a:extLst>
-              <a:ext uri="{FF2B5EF4-FFF2-40B4-BE49-F238E27FC236}">
-                <a16:creationId xmlns:a16="http://schemas.microsoft.com/office/drawing/2014/main" id="{D3A6A813-46C6-A4D0-F0C0-E667F5EFB3C0}"/>
-              </a:ext>
-            </a:extLst>
-          </p:cNvPr>
-          <p:cNvSpPr/>
+          <p:cNvPr id="5" name="TextBox 4">
+            <a:extLst>
+              <a:ext uri="{FF2B5EF4-FFF2-40B4-BE49-F238E27FC236}">
+                <a16:creationId xmlns:a16="http://schemas.microsoft.com/office/drawing/2014/main" id="{E5E39143-8F95-CFAD-7520-E4BB7496B053}"/>
+              </a:ext>
+            </a:extLst>
+          </p:cNvPr>
+          <p:cNvSpPr txBox="1"/>
           <p:nvPr/>
         </p:nvSpPr>
         <p:spPr>
           <a:xfrm>
-            <a:off x="6248400" y="2971800"/>
-            <a:ext cx="5153891" cy="3092057"/>
+            <a:off x="357209" y="4165067"/>
+            <a:ext cx="6190239" cy="369332"/>
           </a:xfrm>
-          <a:prstGeom prst="wedgeRectCallout">
+          <a:prstGeom prst="rect">
             <a:avLst/>
           </a:prstGeom>
+          <a:noFill/>
         </p:spPr>
-        <p:style>
-          <a:lnRef idx="2">
-            <a:schemeClr val="accent1">
-              <a:shade val="50000"/>
-            </a:schemeClr>
-          </a:lnRef>
-          <a:fillRef idx="1">
-            <a:schemeClr val="accent1"/>
-          </a:fillRef>
-          <a:effectRef idx="0">
-            <a:schemeClr val="accent1"/>
-          </a:effectRef>
-          <a:fontRef idx="minor">
-            <a:schemeClr val="lt1"/>
-          </a:fontRef>
-        </p:style>
-        <p:txBody>
-          <a:bodyPr rtlCol="0" anchor="ctr"/>
-          <a:lstStyle/>
-          <a:p>
-            <a:pPr algn="ctr"/>
-            <a:r>
-              <a:rPr lang="en-US" sz="8000" dirty="0"/>
-              <a:t>Thank You</a:t>
-            </a:r>
+        <p:txBody>
+          <a:bodyPr wrap="square" rtlCol="0">
+            <a:spAutoFit/>
+          </a:bodyPr>
+          <a:lstStyle/>
+          <a:p>
+            <a:r>
+              <a:rPr lang="en-US" b="0" i="0" u="none" strike="noStrike" dirty="0">
+                <a:effectLst/>
+                <a:latin typeface="Slack-Lato"/>
+                <a:hlinkClick r:id="rId3"/>
+              </a:rPr>
+              <a:t>https://mattapallisravya.github.io/Web_visualizations_Project3/</a:t>
+            </a:r>
+            <a:endParaRPr lang="en-US" dirty="0"/>
           </a:p>
         </p:txBody>
       </p:sp>
@@ -5286,92 +6684,154 @@
   <p:clrMapOvr>
     <a:overrideClrMapping bg1="dk1" tx1="lt1" bg2="dk2" tx2="lt2" accent1="accent1" accent2="accent2" accent3="accent3" accent4="accent4" accent5="accent5" accent6="accent6" hlink="hlink" folHlink="folHlink"/>
   </p:clrMapOvr>
-  <p:timing>
-    <p:tnLst>
-      <p:par>
-        <p:cTn id="1" dur="indefinite" restart="never" nodeType="tmRoot">
-          <p:childTnLst>
-            <p:seq concurrent="1" nextAc="seek">
-              <p:cTn id="2" dur="indefinite" nodeType="mainSeq">
-                <p:childTnLst>
-                  <p:par>
-                    <p:cTn id="3" fill="hold">
-                      <p:stCondLst>
-                        <p:cond delay="indefinite"/>
-                      </p:stCondLst>
-                      <p:childTnLst>
-                        <p:par>
-                          <p:cTn id="4" fill="hold">
-                            <p:stCondLst>
-                              <p:cond delay="0"/>
-                            </p:stCondLst>
-                            <p:childTnLst>
-                              <p:par>
-                                <p:cTn id="5" presetID="16" presetClass="entr" presetSubtype="21" fill="hold" grpId="0" nodeType="clickEffect">
-                                  <p:stCondLst>
-                                    <p:cond delay="0"/>
-                                  </p:stCondLst>
-                                  <p:childTnLst>
-                                    <p:set>
-                                      <p:cBhvr>
-                                        <p:cTn id="6" dur="1" fill="hold">
-                                          <p:stCondLst>
-                                            <p:cond delay="0"/>
-                                          </p:stCondLst>
-                                        </p:cTn>
-                                        <p:tgtEl>
-                                          <p:spTgt spid="4"/>
-                                        </p:tgtEl>
-                                        <p:attrNameLst>
-                                          <p:attrName>style.visibility</p:attrName>
-                                        </p:attrNameLst>
-                                      </p:cBhvr>
-                                      <p:to>
-                                        <p:strVal val="visible"/>
-                                      </p:to>
-                                    </p:set>
-                                    <p:animEffect transition="in" filter="barn(inVertical)">
-                                      <p:cBhvr>
-                                        <p:cTn id="7" dur="500"/>
-                                        <p:tgtEl>
-                                          <p:spTgt spid="4"/>
-                                        </p:tgtEl>
-                                      </p:cBhvr>
-                                    </p:animEffect>
-                                  </p:childTnLst>
-                                </p:cTn>
-                              </p:par>
-                            </p:childTnLst>
-                          </p:cTn>
-                        </p:par>
-                      </p:childTnLst>
-                    </p:cTn>
-                  </p:par>
-                </p:childTnLst>
-              </p:cTn>
-              <p:prevCondLst>
-                <p:cond evt="onPrev" delay="0">
-                  <p:tgtEl>
-                    <p:sldTgt/>
-                  </p:tgtEl>
-                </p:cond>
-              </p:prevCondLst>
-              <p:nextCondLst>
-                <p:cond evt="onNext" delay="0">
-                  <p:tgtEl>
-                    <p:sldTgt/>
-                  </p:tgtEl>
-                </p:cond>
-              </p:nextCondLst>
-            </p:seq>
-          </p:childTnLst>
-        </p:cTn>
-      </p:par>
-    </p:tnLst>
-    <p:bldLst>
-      <p:bldP spid="4" grpId="0" animBg="1"/>
-    </p:bldLst>
-  </p:timing>
+</p:sld>
+</file>
+
+<file path=ppt/slides/slide8.xml><?xml version="1.0" encoding="utf-8"?>
+<p:sld xmlns:a="http://schemas.openxmlformats.org/drawingml/2006/main" xmlns:r="http://schemas.openxmlformats.org/officeDocument/2006/relationships" xmlns:p="http://schemas.openxmlformats.org/presentationml/2006/main">
+  <p:cSld>
+    <p:spTree>
+      <p:nvGrpSpPr>
+        <p:cNvPr id="1" name=""/>
+        <p:cNvGrpSpPr/>
+        <p:nvPr/>
+      </p:nvGrpSpPr>
+      <p:grpSpPr>
+        <a:xfrm>
+          <a:off x="0" y="0"/>
+          <a:ext cx="0" cy="0"/>
+          <a:chOff x="0" y="0"/>
+          <a:chExt cx="0" cy="0"/>
+        </a:xfrm>
+      </p:grpSpPr>
+      <p:sp>
+        <p:nvSpPr>
+          <p:cNvPr id="5" name="TextBox 4">
+            <a:extLst>
+              <a:ext uri="{FF2B5EF4-FFF2-40B4-BE49-F238E27FC236}">
+                <a16:creationId xmlns:a16="http://schemas.microsoft.com/office/drawing/2014/main" id="{DA7D1D07-07C1-5671-1520-B75142FAD401}"/>
+              </a:ext>
+            </a:extLst>
+          </p:cNvPr>
+          <p:cNvSpPr txBox="1"/>
+          <p:nvPr/>
+        </p:nvSpPr>
+        <p:spPr>
+          <a:xfrm>
+            <a:off x="1033753" y="96981"/>
+            <a:ext cx="9437614" cy="646331"/>
+          </a:xfrm>
+          <a:prstGeom prst="rect">
+            <a:avLst/>
+          </a:prstGeom>
+          <a:noFill/>
+        </p:spPr>
+        <p:txBody>
+          <a:bodyPr wrap="square" rtlCol="0">
+            <a:spAutoFit/>
+          </a:bodyPr>
+          <a:lstStyle/>
+          <a:p>
+            <a:pPr algn="ctr"/>
+            <a:r>
+              <a:rPr lang="en-US" sz="3600" dirty="0"/>
+              <a:t>Website Development</a:t>
+            </a:r>
+          </a:p>
+        </p:txBody>
+      </p:sp>
+      <p:sp>
+        <p:nvSpPr>
+          <p:cNvPr id="2" name="TextBox 1">
+            <a:extLst>
+              <a:ext uri="{FF2B5EF4-FFF2-40B4-BE49-F238E27FC236}">
+                <a16:creationId xmlns:a16="http://schemas.microsoft.com/office/drawing/2014/main" id="{6730AE72-6986-E43B-620B-84D75580A121}"/>
+              </a:ext>
+            </a:extLst>
+          </p:cNvPr>
+          <p:cNvSpPr txBox="1"/>
+          <p:nvPr/>
+        </p:nvSpPr>
+        <p:spPr>
+          <a:xfrm>
+            <a:off x="31629" y="1250045"/>
+            <a:ext cx="10894517" cy="2215991"/>
+          </a:xfrm>
+          <a:prstGeom prst="rect">
+            <a:avLst/>
+          </a:prstGeom>
+          <a:noFill/>
+        </p:spPr>
+        <p:txBody>
+          <a:bodyPr wrap="square" rtlCol="0">
+            <a:spAutoFit/>
+          </a:bodyPr>
+          <a:lstStyle/>
+          <a:p>
+            <a:r>
+              <a:rPr lang="en-US" sz="2400" b="1" dirty="0"/>
+              <a:t>What would we do different?</a:t>
+            </a:r>
+          </a:p>
+          <a:p>
+            <a:pPr marL="571500" indent="-571500">
+              <a:buFontTx/>
+              <a:buChar char="-"/>
+            </a:pPr>
+            <a:r>
+              <a:rPr lang="en-US" sz="2400" dirty="0"/>
+              <a:t>Add more time</a:t>
+            </a:r>
+          </a:p>
+          <a:p>
+            <a:pPr marL="571500" indent="-571500">
+              <a:buFontTx/>
+              <a:buChar char="-"/>
+            </a:pPr>
+            <a:r>
+              <a:rPr lang="en-US" sz="2400" dirty="0"/>
+              <a:t>Drill down on more specific data points for example prison time by crime type </a:t>
+            </a:r>
+          </a:p>
+          <a:p>
+            <a:pPr marL="571500" indent="-571500">
+              <a:buFontTx/>
+              <a:buChar char="-"/>
+            </a:pPr>
+            <a:r>
+              <a:rPr lang="en-US" sz="2400" dirty="0"/>
+              <a:t>Additional Interactive Graphs</a:t>
+            </a:r>
+          </a:p>
+          <a:p>
+            <a:pPr marL="571500" indent="-571500">
+              <a:buFontTx/>
+              <a:buChar char="-"/>
+            </a:pPr>
+            <a:r>
+              <a:rPr lang="en-US" sz="2400" dirty="0"/>
+              <a:t>Deeper dive on the markers</a:t>
+            </a:r>
+          </a:p>
+          <a:p>
+            <a:pPr marL="571500" indent="-571500">
+              <a:buFontTx/>
+              <a:buChar char="-"/>
+            </a:pPr>
+            <a:endParaRPr lang="en-US" dirty="0"/>
+          </a:p>
+        </p:txBody>
+      </p:sp>
+    </p:spTree>
+    <p:extLst>
+      <p:ext uri="{BB962C8B-B14F-4D97-AF65-F5344CB8AC3E}">
+        <p14:creationId xmlns:p14="http://schemas.microsoft.com/office/powerpoint/2010/main" val="2049648078"/>
+      </p:ext>
+    </p:extLst>
+  </p:cSld>
+  <p:clrMapOvr>
+    <a:masterClrMapping/>
+  </p:clrMapOvr>
 </p:sld>
 </file>
 
